--- a/2024-Q4/2024-10-13/2024-10-13-Psalms.pptx
+++ b/2024-Q4/2024-10-13/2024-10-13-Psalms.pptx
@@ -6,7 +6,7 @@
     <p:sldMasterId id="2147484131" r:id="rId2"/>
   </p:sldMasterIdLst>
   <p:notesMasterIdLst>
-    <p:notesMasterId r:id="rId23"/>
+    <p:notesMasterId r:id="rId24"/>
   </p:notesMasterIdLst>
   <p:sldIdLst>
     <p:sldId id="395" r:id="rId3"/>
@@ -29,6 +29,7 @@
     <p:sldId id="472" r:id="rId20"/>
     <p:sldId id="501" r:id="rId21"/>
     <p:sldId id="500" r:id="rId22"/>
+    <p:sldId id="502" r:id="rId23"/>
   </p:sldIdLst>
   <p:sldSz cx="9144000" cy="6858000" type="screen4x3"/>
   <p:notesSz cx="7099300" cy="9385300"/>
@@ -2170,6 +2171,305 @@
     <p:extLst>
       <p:ext uri="{BB962C8B-B14F-4D97-AF65-F5344CB8AC3E}">
         <p14:creationId xmlns:p14="http://schemas.microsoft.com/office/powerpoint/2010/main" val="2286342510"/>
+      </p:ext>
+    </p:extLst>
+  </p:cSld>
+  <p:clrMapOvr>
+    <a:masterClrMapping/>
+  </p:clrMapOvr>
+</p:notes>
+</file>
+
+<file path=ppt/notesSlides/notesSlide21.xml><?xml version="1.0" encoding="utf-8"?>
+<p:notes xmlns:a="http://schemas.openxmlformats.org/drawingml/2006/main" xmlns:r="http://schemas.openxmlformats.org/officeDocument/2006/relationships" xmlns:p="http://schemas.openxmlformats.org/presentationml/2006/main">
+  <p:cSld>
+    <p:spTree>
+      <p:nvGrpSpPr>
+        <p:cNvPr id="1" name="">
+          <a:extLst>
+            <a:ext uri="{FF2B5EF4-FFF2-40B4-BE49-F238E27FC236}">
+              <a16:creationId xmlns:a16="http://schemas.microsoft.com/office/drawing/2014/main" id="{3DD6311A-C4E2-DFD2-D258-D55B1267A1A6}"/>
+            </a:ext>
+          </a:extLst>
+        </p:cNvPr>
+        <p:cNvGrpSpPr/>
+        <p:nvPr/>
+      </p:nvGrpSpPr>
+      <p:grpSpPr>
+        <a:xfrm>
+          <a:off x="0" y="0"/>
+          <a:ext cx="0" cy="0"/>
+          <a:chOff x="0" y="0"/>
+          <a:chExt cx="0" cy="0"/>
+        </a:xfrm>
+      </p:grpSpPr>
+      <p:sp>
+        <p:nvSpPr>
+          <p:cNvPr id="2" name="Slide Image Placeholder 1">
+            <a:extLst>
+              <a:ext uri="{FF2B5EF4-FFF2-40B4-BE49-F238E27FC236}">
+                <a16:creationId xmlns:a16="http://schemas.microsoft.com/office/drawing/2014/main" id="{189213BC-A3D1-1CB8-7F41-A37FF3362B3F}"/>
+              </a:ext>
+            </a:extLst>
+          </p:cNvPr>
+          <p:cNvSpPr>
+            <a:spLocks noGrp="1" noRot="1" noChangeAspect="1"/>
+          </p:cNvSpPr>
+          <p:nvPr>
+            <p:ph type="sldImg"/>
+          </p:nvPr>
+        </p:nvSpPr>
+        <p:spPr/>
+      </p:sp>
+      <p:sp>
+        <p:nvSpPr>
+          <p:cNvPr id="3" name="Notes Placeholder 2">
+            <a:extLst>
+              <a:ext uri="{FF2B5EF4-FFF2-40B4-BE49-F238E27FC236}">
+                <a16:creationId xmlns:a16="http://schemas.microsoft.com/office/drawing/2014/main" id="{D5DEABDD-913F-D23A-5ED1-A122BD1DFF1C}"/>
+              </a:ext>
+            </a:extLst>
+          </p:cNvPr>
+          <p:cNvSpPr>
+            <a:spLocks noGrp="1"/>
+          </p:cNvSpPr>
+          <p:nvPr>
+            <p:ph type="body" idx="1"/>
+          </p:nvPr>
+        </p:nvSpPr>
+        <p:spPr/>
+        <p:txBody>
+          <a:bodyPr>
+            <a:normAutofit fontScale="92500" lnSpcReduction="20000"/>
+          </a:bodyPr>
+          <a:lstStyle/>
+          <a:p>
+            <a:endParaRPr lang="en-US" dirty="0"/>
+          </a:p>
+          <a:p>
+            <a:r>
+              <a:rPr lang="en-US" dirty="0"/>
+              <a:t>Psalm 2</a:t>
+            </a:r>
+          </a:p>
+          <a:p>
+            <a:pPr marL="228600" indent="-228600">
+              <a:buAutoNum type="arabicPeriod"/>
+            </a:pPr>
+            <a:r>
+              <a:rPr lang="en-US" dirty="0"/>
+              <a:t>Quoted 7 times in the NT</a:t>
+            </a:r>
+          </a:p>
+          <a:p>
+            <a:pPr marL="685800" lvl="1" indent="-228600">
+              <a:buAutoNum type="arabicPeriod"/>
+            </a:pPr>
+            <a:r>
+              <a:rPr lang="en-US" dirty="0"/>
+              <a:t>Acts 4:24-28; Acts 13:33</a:t>
+            </a:r>
+          </a:p>
+          <a:p>
+            <a:pPr marL="685800" lvl="1" indent="-228600">
+              <a:buAutoNum type="arabicPeriod"/>
+            </a:pPr>
+            <a:r>
+              <a:rPr lang="en-US" dirty="0"/>
+              <a:t>Heb 1:5; 5:5</a:t>
+            </a:r>
+          </a:p>
+          <a:p>
+            <a:pPr marL="685800" lvl="1" indent="-228600">
+              <a:buAutoNum type="arabicPeriod"/>
+            </a:pPr>
+            <a:r>
+              <a:rPr lang="en-US" dirty="0"/>
+              <a:t>Rev 2:27; 12:5; 19:15</a:t>
+            </a:r>
+          </a:p>
+          <a:p>
+            <a:pPr marL="228600" lvl="0" indent="-228600">
+              <a:buAutoNum type="arabicPeriod"/>
+            </a:pPr>
+            <a:r>
+              <a:rPr lang="en-US" dirty="0"/>
+              <a:t>Messianic Titles</a:t>
+            </a:r>
+          </a:p>
+          <a:p>
+            <a:pPr marL="685800" lvl="1" indent="-228600">
+              <a:buAutoNum type="arabicPeriod"/>
+            </a:pPr>
+            <a:r>
+              <a:rPr lang="en-US" dirty="0"/>
+              <a:t>V2. Anointed</a:t>
+            </a:r>
+          </a:p>
+          <a:p>
+            <a:pPr marL="685800" lvl="1" indent="-228600">
+              <a:buAutoNum type="arabicPeriod"/>
+            </a:pPr>
+            <a:r>
+              <a:rPr lang="en-US" dirty="0"/>
+              <a:t>V6. King</a:t>
+            </a:r>
+          </a:p>
+          <a:p>
+            <a:pPr marL="685800" lvl="1" indent="-228600">
+              <a:buAutoNum type="arabicPeriod"/>
+            </a:pPr>
+            <a:r>
+              <a:rPr lang="en-US" dirty="0"/>
+              <a:t>V7. My Son</a:t>
+            </a:r>
+          </a:p>
+          <a:p>
+            <a:pPr marL="685800" lvl="1" indent="-228600">
+              <a:buAutoNum type="arabicPeriod"/>
+            </a:pPr>
+            <a:r>
+              <a:rPr lang="en-US" dirty="0"/>
+              <a:t>V11. Lord</a:t>
+            </a:r>
+          </a:p>
+          <a:p>
+            <a:pPr marL="228600" lvl="0" indent="-228600">
+              <a:buAutoNum type="arabicPeriod"/>
+            </a:pPr>
+            <a:r>
+              <a:rPr lang="en-US" dirty="0"/>
+              <a:t>Acts 4:27-28 – Peter applies 1-3 to the crucifixion</a:t>
+            </a:r>
+          </a:p>
+          <a:p>
+            <a:pPr marL="685800" lvl="1" indent="-228600">
+              <a:buAutoNum type="arabicPeriod"/>
+            </a:pPr>
+            <a:r>
+              <a:rPr lang="en-US" dirty="0"/>
+              <a:t>Coalition of Power against God and His Christ</a:t>
+            </a:r>
+          </a:p>
+          <a:p>
+            <a:pPr marL="1143000" lvl="2" indent="-228600">
+              <a:buAutoNum type="arabicPeriod"/>
+            </a:pPr>
+            <a:r>
+              <a:rPr lang="en-US" dirty="0"/>
+              <a:t>United Nations</a:t>
+            </a:r>
+          </a:p>
+          <a:p>
+            <a:pPr marL="1143000" lvl="2" indent="-228600">
+              <a:buAutoNum type="arabicPeriod"/>
+            </a:pPr>
+            <a:r>
+              <a:rPr lang="en-US" dirty="0"/>
+              <a:t>The People, the nation of Israel</a:t>
+            </a:r>
+          </a:p>
+          <a:p>
+            <a:pPr marL="1143000" lvl="2" indent="-228600">
+              <a:buAutoNum type="arabicPeriod"/>
+            </a:pPr>
+            <a:r>
+              <a:rPr lang="en-US" dirty="0"/>
+              <a:t>Organized government represented by Herod</a:t>
+            </a:r>
+          </a:p>
+          <a:p>
+            <a:pPr marL="1143000" lvl="2" indent="-228600">
+              <a:buAutoNum type="arabicPeriod"/>
+            </a:pPr>
+            <a:r>
+              <a:rPr lang="en-US" dirty="0"/>
+              <a:t>Judicial power represented by Pontius Pilate</a:t>
+            </a:r>
+          </a:p>
+          <a:p>
+            <a:pPr marL="685800" lvl="1" indent="-228600">
+              <a:buAutoNum type="arabicPeriod"/>
+            </a:pPr>
+            <a:r>
+              <a:rPr lang="en-US" dirty="0"/>
+              <a:t>They imagine a ‘vain thing’.</a:t>
+            </a:r>
+          </a:p>
+          <a:p>
+            <a:pPr marL="1143000" lvl="2" indent="-228600">
+              <a:buAutoNum type="arabicPeriod"/>
+            </a:pPr>
+            <a:r>
+              <a:rPr lang="en-US" dirty="0"/>
+              <a:t>That they can overthrow God</a:t>
+            </a:r>
+          </a:p>
+          <a:p>
+            <a:pPr marL="1143000" lvl="2" indent="-228600">
+              <a:buAutoNum type="arabicPeriod"/>
+            </a:pPr>
+            <a:r>
+              <a:rPr lang="en-US" dirty="0"/>
+              <a:t>“Take counsel”, “set themselves” -&gt; deliberate adoption of a policy, resolution</a:t>
+            </a:r>
+          </a:p>
+          <a:p>
+            <a:pPr marL="1143000" lvl="2" indent="-228600">
+              <a:buAutoNum type="arabicPeriod"/>
+            </a:pPr>
+            <a:r>
+              <a:rPr lang="en-US" dirty="0"/>
+              <a:t>“God is Dead” is their slogan</a:t>
+            </a:r>
+          </a:p>
+          <a:p>
+            <a:pPr marL="1143000" lvl="2" indent="-228600">
+              <a:buAutoNum type="arabicPeriod"/>
+            </a:pPr>
+            <a:endParaRPr lang="en-US" dirty="0"/>
+          </a:p>
+        </p:txBody>
+      </p:sp>
+      <p:sp>
+        <p:nvSpPr>
+          <p:cNvPr id="4" name="Slide Number Placeholder 3">
+            <a:extLst>
+              <a:ext uri="{FF2B5EF4-FFF2-40B4-BE49-F238E27FC236}">
+                <a16:creationId xmlns:a16="http://schemas.microsoft.com/office/drawing/2014/main" id="{AC0513BB-78E6-D557-200F-9F767FD9570E}"/>
+              </a:ext>
+            </a:extLst>
+          </p:cNvPr>
+          <p:cNvSpPr>
+            <a:spLocks noGrp="1"/>
+          </p:cNvSpPr>
+          <p:nvPr>
+            <p:ph type="sldNum" sz="quarter" idx="10"/>
+          </p:nvPr>
+        </p:nvSpPr>
+        <p:spPr/>
+        <p:txBody>
+          <a:bodyPr/>
+          <a:lstStyle/>
+          <a:p>
+            <a:pPr>
+              <a:defRPr/>
+            </a:pPr>
+            <a:fld id="{07776858-791E-4C8D-8FA3-473B3AFECFAC}" type="slidenum">
+              <a:rPr lang="en-US" smtClean="0"/>
+              <a:pPr>
+                <a:defRPr/>
+              </a:pPr>
+              <a:t>21</a:t>
+            </a:fld>
+            <a:endParaRPr lang="en-US"/>
+          </a:p>
+        </p:txBody>
+      </p:sp>
+    </p:spTree>
+    <p:extLst>
+      <p:ext uri="{BB962C8B-B14F-4D97-AF65-F5344CB8AC3E}">
+        <p14:creationId xmlns:p14="http://schemas.microsoft.com/office/powerpoint/2010/main" val="108423690"/>
       </p:ext>
     </p:extLst>
   </p:cSld>
@@ -10788,7 +11088,14 @@
           <a:lstStyle/>
           <a:p>
             <a:r>
-              <a:rPr lang="en-US" sz="1200" dirty="0"/>
+              <a:rPr lang="en-US" sz="1200" dirty="0">
+                <a:solidFill>
+                  <a:schemeClr val="tx1">
+                    <a:lumMod val="95000"/>
+                    <a:lumOff val="5000"/>
+                  </a:schemeClr>
+                </a:solidFill>
+              </a:rPr>
               <a:t>V1.</a:t>
             </a:r>
             <a:r>
@@ -10838,7 +11145,14 @@
           </a:p>
           <a:p>
             <a:r>
-              <a:rPr lang="en-US" sz="1200" dirty="0"/>
+              <a:rPr lang="en-US" sz="1200" dirty="0">
+                <a:solidFill>
+                  <a:schemeClr val="tx1">
+                    <a:lumMod val="95000"/>
+                    <a:lumOff val="5000"/>
+                  </a:schemeClr>
+                </a:solidFill>
+              </a:rPr>
               <a:t>V2.</a:t>
             </a:r>
             <a:r>
@@ -10872,7 +11186,14 @@
           </a:p>
           <a:p>
             <a:r>
-              <a:rPr lang="en-US" sz="1200" dirty="0"/>
+              <a:rPr lang="en-US" sz="1200" dirty="0">
+                <a:solidFill>
+                  <a:schemeClr val="tx1">
+                    <a:lumMod val="95000"/>
+                    <a:lumOff val="5000"/>
+                  </a:schemeClr>
+                </a:solidFill>
+              </a:rPr>
               <a:t>V3.</a:t>
             </a:r>
             <a:r>
@@ -10890,7 +11211,14 @@
           </a:p>
           <a:p>
             <a:r>
-              <a:rPr lang="en-US" sz="1200" dirty="0"/>
+              <a:rPr lang="en-US" sz="1200" dirty="0">
+                <a:solidFill>
+                  <a:schemeClr val="tx1">
+                    <a:lumMod val="95000"/>
+                    <a:lumOff val="5000"/>
+                  </a:schemeClr>
+                </a:solidFill>
+              </a:rPr>
               <a:t>V4.</a:t>
             </a:r>
             <a:r>
@@ -10916,7 +11244,14 @@
           </a:p>
           <a:p>
             <a:r>
-              <a:rPr lang="en-US" sz="1200" dirty="0"/>
+              <a:rPr lang="en-US" sz="1200" dirty="0">
+                <a:solidFill>
+                  <a:schemeClr val="tx1">
+                    <a:lumMod val="95000"/>
+                    <a:lumOff val="5000"/>
+                  </a:schemeClr>
+                </a:solidFill>
+              </a:rPr>
               <a:t>V5.</a:t>
             </a:r>
             <a:r>
@@ -10942,7 +11277,14 @@
           </a:p>
           <a:p>
             <a:r>
-              <a:rPr lang="en-US" sz="1200" dirty="0"/>
+              <a:rPr lang="en-US" sz="1200" dirty="0">
+                <a:solidFill>
+                  <a:schemeClr val="tx1">
+                    <a:lumMod val="95000"/>
+                    <a:lumOff val="5000"/>
+                  </a:schemeClr>
+                </a:solidFill>
+              </a:rPr>
               <a:t>V6.</a:t>
             </a:r>
             <a:r>
@@ -11891,6 +12233,783 @@
                                               <p:pRg st="10" end="10"/>
                                             </p:txEl>
                                           </p:spTgt>
+                                        </p:tgtEl>
+                                        <p:attrNameLst>
+                                          <p:attrName>ppt_y</p:attrName>
+                                        </p:attrNameLst>
+                                      </p:cBhvr>
+                                      <p:tavLst>
+                                        <p:tav tm="0">
+                                          <p:val>
+                                            <p:strVal val="#ppt_y+.1"/>
+                                          </p:val>
+                                        </p:tav>
+                                        <p:tav tm="100000">
+                                          <p:val>
+                                            <p:strVal val="#ppt_y"/>
+                                          </p:val>
+                                        </p:tav>
+                                      </p:tavLst>
+                                    </p:anim>
+                                  </p:childTnLst>
+                                </p:cTn>
+                              </p:par>
+                            </p:childTnLst>
+                          </p:cTn>
+                        </p:par>
+                      </p:childTnLst>
+                    </p:cTn>
+                  </p:par>
+                </p:childTnLst>
+              </p:cTn>
+              <p:prevCondLst>
+                <p:cond evt="onPrev" delay="0">
+                  <p:tgtEl>
+                    <p:sldTgt/>
+                  </p:tgtEl>
+                </p:cond>
+              </p:prevCondLst>
+              <p:nextCondLst>
+                <p:cond evt="onNext" delay="0">
+                  <p:tgtEl>
+                    <p:sldTgt/>
+                  </p:tgtEl>
+                </p:cond>
+              </p:nextCondLst>
+            </p:seq>
+          </p:childTnLst>
+        </p:cTn>
+      </p:par>
+    </p:tnLst>
+    <p:bldLst>
+      <p:bldP spid="5" grpId="0" animBg="1"/>
+      <p:bldP spid="4" grpId="0" animBg="1"/>
+    </p:bldLst>
+  </p:timing>
+</p:sld>
+</file>
+
+<file path=ppt/slides/slide21.xml><?xml version="1.0" encoding="utf-8"?>
+<p:sld xmlns:a="http://schemas.openxmlformats.org/drawingml/2006/main" xmlns:r="http://schemas.openxmlformats.org/officeDocument/2006/relationships" xmlns:p="http://schemas.openxmlformats.org/presentationml/2006/main">
+  <p:cSld>
+    <p:spTree>
+      <p:nvGrpSpPr>
+        <p:cNvPr id="1" name="">
+          <a:extLst>
+            <a:ext uri="{FF2B5EF4-FFF2-40B4-BE49-F238E27FC236}">
+              <a16:creationId xmlns:a16="http://schemas.microsoft.com/office/drawing/2014/main" id="{763A8BA5-7C2C-6A7C-3E24-E0345D3C2844}"/>
+            </a:ext>
+          </a:extLst>
+        </p:cNvPr>
+        <p:cNvGrpSpPr/>
+        <p:nvPr/>
+      </p:nvGrpSpPr>
+      <p:grpSpPr>
+        <a:xfrm>
+          <a:off x="0" y="0"/>
+          <a:ext cx="0" cy="0"/>
+          <a:chOff x="0" y="0"/>
+          <a:chExt cx="0" cy="0"/>
+        </a:xfrm>
+      </p:grpSpPr>
+      <p:sp>
+        <p:nvSpPr>
+          <p:cNvPr id="2" name="Title 1">
+            <a:extLst>
+              <a:ext uri="{FF2B5EF4-FFF2-40B4-BE49-F238E27FC236}">
+                <a16:creationId xmlns:a16="http://schemas.microsoft.com/office/drawing/2014/main" id="{BCEA8BB8-129B-D4B9-B268-8C5F70B4065D}"/>
+              </a:ext>
+            </a:extLst>
+          </p:cNvPr>
+          <p:cNvSpPr>
+            <a:spLocks noGrp="1"/>
+          </p:cNvSpPr>
+          <p:nvPr>
+            <p:ph type="title"/>
+          </p:nvPr>
+        </p:nvSpPr>
+        <p:spPr>
+          <a:xfrm>
+            <a:off x="58722" y="7434"/>
+            <a:ext cx="8973869" cy="914400"/>
+          </a:xfrm>
+        </p:spPr>
+        <p:txBody>
+          <a:bodyPr>
+            <a:normAutofit fontScale="90000"/>
+          </a:bodyPr>
+          <a:lstStyle/>
+          <a:p>
+            <a:pPr algn="l"/>
+            <a:r>
+              <a:rPr lang="en-US" sz="3600" dirty="0"/>
+              <a:t>How the World responds to the Just Man…</a:t>
+            </a:r>
+            <a:br>
+              <a:rPr lang="en-US" dirty="0"/>
+            </a:br>
+            <a:r>
+              <a:rPr lang="en-US" sz="2400" dirty="0">
+                <a:solidFill>
+                  <a:schemeClr val="tx2">
+                    <a:lumMod val="60000"/>
+                    <a:lumOff val="40000"/>
+                  </a:schemeClr>
+                </a:solidFill>
+              </a:rPr>
+              <a:t>Psalms 2</a:t>
+            </a:r>
+          </a:p>
+        </p:txBody>
+      </p:sp>
+      <p:sp>
+        <p:nvSpPr>
+          <p:cNvPr id="5" name="Scroll: Horizontal 3">
+            <a:extLst>
+              <a:ext uri="{FF2B5EF4-FFF2-40B4-BE49-F238E27FC236}">
+                <a16:creationId xmlns:a16="http://schemas.microsoft.com/office/drawing/2014/main" id="{F971542A-68F4-392E-8069-E52221AA804C}"/>
+              </a:ext>
+            </a:extLst>
+          </p:cNvPr>
+          <p:cNvSpPr/>
+          <p:nvPr/>
+        </p:nvSpPr>
+        <p:spPr>
+          <a:xfrm>
+            <a:off x="111408" y="297366"/>
+            <a:ext cx="6248231" cy="7017834"/>
+          </a:xfrm>
+          <a:prstGeom prst="horizontalScroll">
+            <a:avLst/>
+          </a:prstGeom>
+          <a:solidFill>
+            <a:schemeClr val="accent6">
+              <a:lumMod val="75000"/>
+            </a:schemeClr>
+          </a:solidFill>
+        </p:spPr>
+        <p:style>
+          <a:lnRef idx="2">
+            <a:schemeClr val="accent1">
+              <a:shade val="50000"/>
+            </a:schemeClr>
+          </a:lnRef>
+          <a:fillRef idx="1">
+            <a:schemeClr val="accent1"/>
+          </a:fillRef>
+          <a:effectRef idx="0">
+            <a:schemeClr val="accent1"/>
+          </a:effectRef>
+          <a:fontRef idx="minor">
+            <a:schemeClr val="lt1"/>
+          </a:fontRef>
+        </p:style>
+        <p:txBody>
+          <a:bodyPr rtlCol="0" anchor="ctr"/>
+          <a:lstStyle/>
+          <a:p>
+            <a:r>
+              <a:rPr lang="en-US" sz="1200" dirty="0">
+                <a:solidFill>
+                  <a:schemeClr val="tx1">
+                    <a:lumMod val="95000"/>
+                    <a:lumOff val="5000"/>
+                  </a:schemeClr>
+                </a:solidFill>
+              </a:rPr>
+              <a:t>(1) </a:t>
+            </a:r>
+            <a:r>
+              <a:rPr lang="en-US" sz="1600" i="1" dirty="0"/>
+              <a:t>Why do the nations rage, And the people plot a vain thing?</a:t>
+            </a:r>
+            <a:r>
+              <a:rPr lang="en-US" sz="1600" dirty="0"/>
+              <a:t> </a:t>
+            </a:r>
+            <a:r>
+              <a:rPr lang="en-US" sz="1200" dirty="0">
+                <a:solidFill>
+                  <a:schemeClr val="tx1">
+                    <a:lumMod val="95000"/>
+                    <a:lumOff val="5000"/>
+                  </a:schemeClr>
+                </a:solidFill>
+              </a:rPr>
+              <a:t>(2)</a:t>
+            </a:r>
+            <a:r>
+              <a:rPr lang="en-US" sz="1600" dirty="0"/>
+              <a:t> </a:t>
+            </a:r>
+            <a:r>
+              <a:rPr lang="en-US" sz="1600" i="1" dirty="0"/>
+              <a:t>The kings of the earth set themselves, And the rulers take counsel together, Against the LORD and against His Anointed, saying, </a:t>
+            </a:r>
+            <a:r>
+              <a:rPr lang="en-US" sz="1200" dirty="0">
+                <a:solidFill>
+                  <a:schemeClr val="tx1">
+                    <a:lumMod val="95000"/>
+                    <a:lumOff val="5000"/>
+                  </a:schemeClr>
+                </a:solidFill>
+              </a:rPr>
+              <a:t>(3)</a:t>
+            </a:r>
+            <a:r>
+              <a:rPr lang="en-US" sz="1600" dirty="0"/>
+              <a:t> "</a:t>
+            </a:r>
+            <a:r>
+              <a:rPr lang="en-US" sz="1600" i="1" dirty="0"/>
+              <a:t>Let us break Their bonds in pieces And cast away Their cords from us.</a:t>
+            </a:r>
+            <a:r>
+              <a:rPr lang="en-US" sz="1600" dirty="0"/>
+              <a:t>" </a:t>
+            </a:r>
+            <a:r>
+              <a:rPr lang="en-US" sz="1200" dirty="0">
+                <a:solidFill>
+                  <a:schemeClr val="tx1">
+                    <a:lumMod val="95000"/>
+                    <a:lumOff val="5000"/>
+                  </a:schemeClr>
+                </a:solidFill>
+              </a:rPr>
+              <a:t>(4)</a:t>
+            </a:r>
+            <a:r>
+              <a:rPr lang="en-US" sz="1600" dirty="0"/>
+              <a:t> He who sits in the heavens shall laugh; The LORD shall hold them in derision. </a:t>
+            </a:r>
+            <a:r>
+              <a:rPr lang="en-US" sz="1200" dirty="0">
+                <a:solidFill>
+                  <a:schemeClr val="tx1">
+                    <a:lumMod val="95000"/>
+                    <a:lumOff val="5000"/>
+                  </a:schemeClr>
+                </a:solidFill>
+              </a:rPr>
+              <a:t>(5)</a:t>
+            </a:r>
+            <a:r>
+              <a:rPr lang="en-US" sz="1600" dirty="0"/>
+              <a:t> Then He shall speak to them in His wrath, And distress them in His deep displeasure:  </a:t>
+            </a:r>
+            <a:r>
+              <a:rPr lang="en-US" sz="1200" dirty="0">
+                <a:solidFill>
+                  <a:schemeClr val="tx1">
+                    <a:lumMod val="95000"/>
+                    <a:lumOff val="5000"/>
+                  </a:schemeClr>
+                </a:solidFill>
+              </a:rPr>
+              <a:t>(6)</a:t>
+            </a:r>
+            <a:r>
+              <a:rPr lang="en-US" sz="1600" dirty="0"/>
+              <a:t> "Yet I have set My King On My holy hill of Zion."  </a:t>
+            </a:r>
+            <a:r>
+              <a:rPr lang="en-US" sz="1200" dirty="0">
+                <a:solidFill>
+                  <a:schemeClr val="tx1">
+                    <a:lumMod val="95000"/>
+                    <a:lumOff val="5000"/>
+                  </a:schemeClr>
+                </a:solidFill>
+              </a:rPr>
+              <a:t>(7)</a:t>
+            </a:r>
+            <a:r>
+              <a:rPr lang="en-US" sz="1600" dirty="0"/>
+              <a:t> "</a:t>
+            </a:r>
+            <a:r>
+              <a:rPr lang="en-US" sz="1600" b="1" i="1" dirty="0"/>
+              <a:t>I will declare the decree: The LORD has said to Me, </a:t>
+            </a:r>
+            <a:r>
+              <a:rPr lang="en-US" sz="1600" b="1" i="1" u="sng" dirty="0"/>
+              <a:t>'You are My Son, Today I have begotten You</a:t>
+            </a:r>
+            <a:r>
+              <a:rPr lang="en-US" sz="1600" dirty="0"/>
+              <a:t>. </a:t>
+            </a:r>
+            <a:r>
+              <a:rPr lang="en-US" sz="1200" dirty="0">
+                <a:solidFill>
+                  <a:schemeClr val="tx1">
+                    <a:lumMod val="95000"/>
+                    <a:lumOff val="5000"/>
+                  </a:schemeClr>
+                </a:solidFill>
+              </a:rPr>
+              <a:t>(8)</a:t>
+            </a:r>
+            <a:r>
+              <a:rPr lang="en-US" sz="1600" dirty="0"/>
+              <a:t> </a:t>
+            </a:r>
+            <a:r>
+              <a:rPr lang="en-US" sz="1600" b="1" i="1" dirty="0"/>
+              <a:t>Ask of Me, and I will give You The nations for Your inheritance, And the ends of the earth for Your possession</a:t>
+            </a:r>
+            <a:r>
+              <a:rPr lang="en-US" sz="1600" dirty="0"/>
+              <a:t>. </a:t>
+            </a:r>
+            <a:r>
+              <a:rPr lang="en-US" sz="1200" dirty="0">
+                <a:solidFill>
+                  <a:schemeClr val="tx1">
+                    <a:lumMod val="95000"/>
+                    <a:lumOff val="5000"/>
+                  </a:schemeClr>
+                </a:solidFill>
+              </a:rPr>
+              <a:t>(9)</a:t>
+            </a:r>
+            <a:r>
+              <a:rPr lang="en-US" sz="1600" dirty="0"/>
+              <a:t> </a:t>
+            </a:r>
+            <a:r>
+              <a:rPr lang="en-US" sz="1600" b="1" i="1" dirty="0"/>
+              <a:t>You shall break them with a rod of iron</a:t>
+            </a:r>
+            <a:r>
+              <a:rPr lang="en-US" sz="1600" i="1" dirty="0"/>
+              <a:t>; </a:t>
+            </a:r>
+            <a:r>
+              <a:rPr lang="en-US" sz="1600" b="1" i="1" dirty="0"/>
+              <a:t>You shall dash them to pieces like a potter's vessel.'</a:t>
+            </a:r>
+            <a:r>
+              <a:rPr lang="en-US" sz="1600" b="1" dirty="0"/>
+              <a:t> </a:t>
+            </a:r>
+            <a:r>
+              <a:rPr lang="en-US" sz="1600" dirty="0"/>
+              <a:t>" </a:t>
+            </a:r>
+            <a:r>
+              <a:rPr lang="en-US" sz="1200" dirty="0">
+                <a:solidFill>
+                  <a:schemeClr val="tx1">
+                    <a:lumMod val="95000"/>
+                    <a:lumOff val="5000"/>
+                  </a:schemeClr>
+                </a:solidFill>
+              </a:rPr>
+              <a:t>(10) </a:t>
+            </a:r>
+            <a:r>
+              <a:rPr lang="en-US" sz="1600" i="1" dirty="0"/>
+              <a:t>Now therefore, be wise, O kings; Be instructed, you judges of the earth.</a:t>
+            </a:r>
+            <a:r>
+              <a:rPr lang="en-US" sz="1600" dirty="0"/>
+              <a:t> </a:t>
+            </a:r>
+            <a:r>
+              <a:rPr lang="en-US" sz="1200" dirty="0">
+                <a:solidFill>
+                  <a:schemeClr val="tx1">
+                    <a:lumMod val="95000"/>
+                    <a:lumOff val="5000"/>
+                  </a:schemeClr>
+                </a:solidFill>
+              </a:rPr>
+              <a:t>(11) </a:t>
+            </a:r>
+            <a:r>
+              <a:rPr lang="en-US" sz="1600" i="1" dirty="0"/>
+              <a:t>Serve the LORD with fear, And rejoice with trembling. </a:t>
+            </a:r>
+            <a:r>
+              <a:rPr lang="en-US" sz="1200" dirty="0">
+                <a:solidFill>
+                  <a:schemeClr val="tx1">
+                    <a:lumMod val="95000"/>
+                    <a:lumOff val="5000"/>
+                  </a:schemeClr>
+                </a:solidFill>
+              </a:rPr>
+              <a:t>(12) </a:t>
+            </a:r>
+            <a:r>
+              <a:rPr lang="en-US" sz="1600" i="1" dirty="0"/>
+              <a:t>Kiss the Son, lest He be angry, And you perish in the way, When His wrath is kindled but a little. Blessed are all those who put their trust in Him</a:t>
+            </a:r>
+            <a:r>
+              <a:rPr lang="en-US" sz="1600" dirty="0"/>
+              <a:t>.</a:t>
+            </a:r>
+          </a:p>
+        </p:txBody>
+      </p:sp>
+      <p:sp>
+        <p:nvSpPr>
+          <p:cNvPr id="4" name="Scroll: Horizontal 3">
+            <a:extLst>
+              <a:ext uri="{FF2B5EF4-FFF2-40B4-BE49-F238E27FC236}">
+                <a16:creationId xmlns:a16="http://schemas.microsoft.com/office/drawing/2014/main" id="{7E38A61F-52E0-9918-FDBF-3711584A7741}"/>
+              </a:ext>
+            </a:extLst>
+          </p:cNvPr>
+          <p:cNvSpPr/>
+          <p:nvPr/>
+        </p:nvSpPr>
+        <p:spPr>
+          <a:xfrm>
+            <a:off x="6412324" y="297366"/>
+            <a:ext cx="2620268" cy="6445825"/>
+          </a:xfrm>
+          <a:prstGeom prst="horizontalScroll">
+            <a:avLst/>
+          </a:prstGeom>
+          <a:solidFill>
+            <a:schemeClr val="accent1">
+              <a:lumMod val="75000"/>
+            </a:schemeClr>
+          </a:solidFill>
+          <a:ln>
+            <a:solidFill>
+              <a:schemeClr val="accent6">
+                <a:lumMod val="75000"/>
+              </a:schemeClr>
+            </a:solidFill>
+          </a:ln>
+        </p:spPr>
+        <p:style>
+          <a:lnRef idx="2">
+            <a:schemeClr val="accent1">
+              <a:shade val="50000"/>
+            </a:schemeClr>
+          </a:lnRef>
+          <a:fillRef idx="1">
+            <a:schemeClr val="accent1"/>
+          </a:fillRef>
+          <a:effectRef idx="0">
+            <a:schemeClr val="accent1"/>
+          </a:effectRef>
+          <a:fontRef idx="minor">
+            <a:schemeClr val="lt1"/>
+          </a:fontRef>
+        </p:style>
+        <p:txBody>
+          <a:bodyPr rtlCol="0" anchor="ctr"/>
+          <a:lstStyle/>
+          <a:p>
+            <a:r>
+              <a:rPr lang="en-US" sz="1600" dirty="0"/>
+              <a:t>How many speakers?</a:t>
+            </a:r>
+          </a:p>
+          <a:p>
+            <a:endParaRPr lang="en-US" dirty="0"/>
+          </a:p>
+          <a:p>
+            <a:r>
+              <a:rPr lang="en-US" sz="1200" dirty="0"/>
+              <a:t>(v1-3) </a:t>
+            </a:r>
+            <a:r>
+              <a:rPr lang="en-US" sz="1400" dirty="0"/>
+              <a:t>The voice of rebellion, man in </a:t>
+            </a:r>
+            <a:r>
+              <a:rPr lang="en-US" sz="1400" u="sng" dirty="0"/>
+              <a:t>revolt</a:t>
+            </a:r>
+          </a:p>
+          <a:p>
+            <a:r>
+              <a:rPr lang="en-US" sz="1400" dirty="0"/>
+              <a:t> </a:t>
+            </a:r>
+          </a:p>
+          <a:p>
+            <a:r>
+              <a:rPr lang="en-US" sz="1200" dirty="0"/>
+              <a:t>(v4-6) </a:t>
+            </a:r>
+            <a:r>
+              <a:rPr lang="en-US" sz="1400" dirty="0"/>
+              <a:t>God in His </a:t>
+            </a:r>
+            <a:r>
+              <a:rPr lang="en-US" sz="1400" u="sng" dirty="0"/>
+              <a:t>wrath</a:t>
+            </a:r>
+          </a:p>
+          <a:p>
+            <a:endParaRPr lang="en-US" sz="1400" u="sng" dirty="0"/>
+          </a:p>
+          <a:p>
+            <a:r>
+              <a:rPr lang="en-US" sz="1200" dirty="0"/>
+              <a:t>(v7-9) </a:t>
+            </a:r>
+            <a:r>
+              <a:rPr lang="en-US" sz="1400" u="sng" dirty="0"/>
+              <a:t>Revelation</a:t>
+            </a:r>
+            <a:r>
+              <a:rPr lang="en-US" sz="1400" dirty="0"/>
+              <a:t> of the Son</a:t>
+            </a:r>
+          </a:p>
+          <a:p>
+            <a:endParaRPr lang="en-US" sz="1400" dirty="0"/>
+          </a:p>
+          <a:p>
+            <a:r>
+              <a:rPr lang="en-US" sz="1200" dirty="0"/>
+              <a:t>(v10-12) </a:t>
+            </a:r>
+            <a:r>
+              <a:rPr lang="en-US" sz="1400" dirty="0"/>
+              <a:t>The Spirit calls to </a:t>
+            </a:r>
+            <a:r>
+              <a:rPr lang="en-US" sz="1400" u="sng" dirty="0"/>
+              <a:t>reconciliation</a:t>
+            </a:r>
+          </a:p>
+        </p:txBody>
+      </p:sp>
+      <p:sp>
+        <p:nvSpPr>
+          <p:cNvPr id="3" name="TextBox 2">
+            <a:extLst>
+              <a:ext uri="{FF2B5EF4-FFF2-40B4-BE49-F238E27FC236}">
+                <a16:creationId xmlns:a16="http://schemas.microsoft.com/office/drawing/2014/main" id="{4B1D0702-ED0C-9281-90FA-971EC99129C7}"/>
+              </a:ext>
+            </a:extLst>
+          </p:cNvPr>
+          <p:cNvSpPr txBox="1"/>
+          <p:nvPr/>
+        </p:nvSpPr>
+        <p:spPr>
+          <a:xfrm>
+            <a:off x="8251152" y="6496970"/>
+            <a:ext cx="511679" cy="246221"/>
+          </a:xfrm>
+          <a:prstGeom prst="rect">
+            <a:avLst/>
+          </a:prstGeom>
+          <a:noFill/>
+        </p:spPr>
+        <p:txBody>
+          <a:bodyPr wrap="none" rtlCol="0">
+            <a:spAutoFit/>
+          </a:bodyPr>
+          <a:lstStyle/>
+          <a:p>
+            <a:r>
+              <a:rPr lang="en-US" sz="1000" dirty="0"/>
+              <a:t>NKJV</a:t>
+            </a:r>
+          </a:p>
+        </p:txBody>
+      </p:sp>
+    </p:spTree>
+    <p:extLst>
+      <p:ext uri="{BB962C8B-B14F-4D97-AF65-F5344CB8AC3E}">
+        <p14:creationId xmlns:p14="http://schemas.microsoft.com/office/powerpoint/2010/main" val="3351446403"/>
+      </p:ext>
+    </p:extLst>
+  </p:cSld>
+  <p:clrMapOvr>
+    <a:masterClrMapping/>
+  </p:clrMapOvr>
+  <p:timing>
+    <p:tnLst>
+      <p:par>
+        <p:cTn id="1" dur="indefinite" restart="never" nodeType="tmRoot">
+          <p:childTnLst>
+            <p:seq concurrent="1" nextAc="seek">
+              <p:cTn id="2" dur="indefinite" nodeType="mainSeq">
+                <p:childTnLst>
+                  <p:par>
+                    <p:cTn id="3" fill="hold">
+                      <p:stCondLst>
+                        <p:cond delay="indefinite"/>
+                      </p:stCondLst>
+                      <p:childTnLst>
+                        <p:par>
+                          <p:cTn id="4" fill="hold">
+                            <p:stCondLst>
+                              <p:cond delay="0"/>
+                            </p:stCondLst>
+                            <p:childTnLst>
+                              <p:par>
+                                <p:cTn id="5" presetID="42" presetClass="entr" presetSubtype="0" fill="hold" grpId="0" nodeType="clickEffect">
+                                  <p:stCondLst>
+                                    <p:cond delay="0"/>
+                                  </p:stCondLst>
+                                  <p:childTnLst>
+                                    <p:set>
+                                      <p:cBhvr>
+                                        <p:cTn id="6" dur="1" fill="hold">
+                                          <p:stCondLst>
+                                            <p:cond delay="0"/>
+                                          </p:stCondLst>
+                                        </p:cTn>
+                                        <p:tgtEl>
+                                          <p:spTgt spid="5"/>
+                                        </p:tgtEl>
+                                        <p:attrNameLst>
+                                          <p:attrName>style.visibility</p:attrName>
+                                        </p:attrNameLst>
+                                      </p:cBhvr>
+                                      <p:to>
+                                        <p:strVal val="visible"/>
+                                      </p:to>
+                                    </p:set>
+                                    <p:animEffect transition="in" filter="fade">
+                                      <p:cBhvr>
+                                        <p:cTn id="7" dur="1000"/>
+                                        <p:tgtEl>
+                                          <p:spTgt spid="5"/>
+                                        </p:tgtEl>
+                                      </p:cBhvr>
+                                    </p:animEffect>
+                                    <p:anim calcmode="lin" valueType="num">
+                                      <p:cBhvr>
+                                        <p:cTn id="8" dur="1000" fill="hold"/>
+                                        <p:tgtEl>
+                                          <p:spTgt spid="5"/>
+                                        </p:tgtEl>
+                                        <p:attrNameLst>
+                                          <p:attrName>ppt_x</p:attrName>
+                                        </p:attrNameLst>
+                                      </p:cBhvr>
+                                      <p:tavLst>
+                                        <p:tav tm="0">
+                                          <p:val>
+                                            <p:strVal val="#ppt_x"/>
+                                          </p:val>
+                                        </p:tav>
+                                        <p:tav tm="100000">
+                                          <p:val>
+                                            <p:strVal val="#ppt_x"/>
+                                          </p:val>
+                                        </p:tav>
+                                      </p:tavLst>
+                                    </p:anim>
+                                    <p:anim calcmode="lin" valueType="num">
+                                      <p:cBhvr>
+                                        <p:cTn id="9" dur="1000" fill="hold"/>
+                                        <p:tgtEl>
+                                          <p:spTgt spid="5"/>
+                                        </p:tgtEl>
+                                        <p:attrNameLst>
+                                          <p:attrName>ppt_y</p:attrName>
+                                        </p:attrNameLst>
+                                      </p:cBhvr>
+                                      <p:tavLst>
+                                        <p:tav tm="0">
+                                          <p:val>
+                                            <p:strVal val="#ppt_y+.1"/>
+                                          </p:val>
+                                        </p:tav>
+                                        <p:tav tm="100000">
+                                          <p:val>
+                                            <p:strVal val="#ppt_y"/>
+                                          </p:val>
+                                        </p:tav>
+                                      </p:tavLst>
+                                    </p:anim>
+                                  </p:childTnLst>
+                                </p:cTn>
+                              </p:par>
+                            </p:childTnLst>
+                          </p:cTn>
+                        </p:par>
+                      </p:childTnLst>
+                    </p:cTn>
+                  </p:par>
+                  <p:par>
+                    <p:cTn id="10" fill="hold">
+                      <p:stCondLst>
+                        <p:cond delay="indefinite"/>
+                      </p:stCondLst>
+                      <p:childTnLst>
+                        <p:par>
+                          <p:cTn id="11" fill="hold">
+                            <p:stCondLst>
+                              <p:cond delay="0"/>
+                            </p:stCondLst>
+                            <p:childTnLst>
+                              <p:par>
+                                <p:cTn id="12" presetID="42" presetClass="entr" presetSubtype="0" fill="hold" grpId="0" nodeType="clickEffect">
+                                  <p:stCondLst>
+                                    <p:cond delay="0"/>
+                                  </p:stCondLst>
+                                  <p:childTnLst>
+                                    <p:set>
+                                      <p:cBhvr>
+                                        <p:cTn id="13" dur="1" fill="hold">
+                                          <p:stCondLst>
+                                            <p:cond delay="0"/>
+                                          </p:stCondLst>
+                                        </p:cTn>
+                                        <p:tgtEl>
+                                          <p:spTgt spid="4"/>
+                                        </p:tgtEl>
+                                        <p:attrNameLst>
+                                          <p:attrName>style.visibility</p:attrName>
+                                        </p:attrNameLst>
+                                      </p:cBhvr>
+                                      <p:to>
+                                        <p:strVal val="visible"/>
+                                      </p:to>
+                                    </p:set>
+                                    <p:animEffect transition="in" filter="fade">
+                                      <p:cBhvr>
+                                        <p:cTn id="14" dur="1000"/>
+                                        <p:tgtEl>
+                                          <p:spTgt spid="4"/>
+                                        </p:tgtEl>
+                                      </p:cBhvr>
+                                    </p:animEffect>
+                                    <p:anim calcmode="lin" valueType="num">
+                                      <p:cBhvr>
+                                        <p:cTn id="15" dur="1000" fill="hold"/>
+                                        <p:tgtEl>
+                                          <p:spTgt spid="4"/>
+                                        </p:tgtEl>
+                                        <p:attrNameLst>
+                                          <p:attrName>ppt_x</p:attrName>
+                                        </p:attrNameLst>
+                                      </p:cBhvr>
+                                      <p:tavLst>
+                                        <p:tav tm="0">
+                                          <p:val>
+                                            <p:strVal val="#ppt_x"/>
+                                          </p:val>
+                                        </p:tav>
+                                        <p:tav tm="100000">
+                                          <p:val>
+                                            <p:strVal val="#ppt_x"/>
+                                          </p:val>
+                                        </p:tav>
+                                      </p:tavLst>
+                                    </p:anim>
+                                    <p:anim calcmode="lin" valueType="num">
+                                      <p:cBhvr>
+                                        <p:cTn id="16" dur="1000" fill="hold"/>
+                                        <p:tgtEl>
+                                          <p:spTgt spid="4"/>
                                         </p:tgtEl>
                                         <p:attrNameLst>
                                           <p:attrName>ppt_y</p:attrName>

--- a/2024-Q4/2024-10-13/2024-10-13-Psalms.pptx
+++ b/2024-Q4/2024-10-13/2024-10-13-Psalms.pptx
@@ -16,16 +16,16 @@
     <p:sldId id="453" r:id="rId7"/>
     <p:sldId id="454" r:id="rId8"/>
     <p:sldId id="455" r:id="rId9"/>
-    <p:sldId id="456" r:id="rId10"/>
-    <p:sldId id="457" r:id="rId11"/>
-    <p:sldId id="458" r:id="rId12"/>
-    <p:sldId id="459" r:id="rId13"/>
-    <p:sldId id="460" r:id="rId14"/>
+    <p:sldId id="458" r:id="rId10"/>
+    <p:sldId id="456" r:id="rId11"/>
+    <p:sldId id="459" r:id="rId12"/>
+    <p:sldId id="460" r:id="rId13"/>
+    <p:sldId id="464" r:id="rId14"/>
     <p:sldId id="461" r:id="rId15"/>
-    <p:sldId id="462" r:id="rId16"/>
-    <p:sldId id="463" r:id="rId17"/>
-    <p:sldId id="464" r:id="rId18"/>
-    <p:sldId id="465" r:id="rId19"/>
+    <p:sldId id="465" r:id="rId16"/>
+    <p:sldId id="457" r:id="rId17"/>
+    <p:sldId id="463" r:id="rId18"/>
+    <p:sldId id="462" r:id="rId19"/>
     <p:sldId id="472" r:id="rId20"/>
     <p:sldId id="501" r:id="rId21"/>
     <p:sldId id="500" r:id="rId22"/>
@@ -297,7 +297,7 @@
               <a:pPr>
                 <a:defRPr/>
               </a:pPr>
-              <a:t>10/12/2024</a:t>
+              <a:t>10/13/2024</a:t>
             </a:fld>
             <a:endParaRPr lang="en-US"/>
           </a:p>
@@ -814,7 +814,7 @@
     </p:spTree>
     <p:extLst>
       <p:ext uri="{BB962C8B-B14F-4D97-AF65-F5344CB8AC3E}">
-        <p14:creationId xmlns:p14="http://schemas.microsoft.com/office/powerpoint/2010/main" val="2336085702"/>
+        <p14:creationId xmlns:p14="http://schemas.microsoft.com/office/powerpoint/2010/main" val="4063829742"/>
       </p:ext>
     </p:extLst>
   </p:cSld>
@@ -909,7 +909,7 @@
     </p:spTree>
     <p:extLst>
       <p:ext uri="{BB962C8B-B14F-4D97-AF65-F5344CB8AC3E}">
-        <p14:creationId xmlns:p14="http://schemas.microsoft.com/office/powerpoint/2010/main" val="4063829742"/>
+        <p14:creationId xmlns:p14="http://schemas.microsoft.com/office/powerpoint/2010/main" val="3072387278"/>
       </p:ext>
     </p:extLst>
   </p:cSld>
@@ -1004,7 +1004,7 @@
     </p:spTree>
     <p:extLst>
       <p:ext uri="{BB962C8B-B14F-4D97-AF65-F5344CB8AC3E}">
-        <p14:creationId xmlns:p14="http://schemas.microsoft.com/office/powerpoint/2010/main" val="3072387278"/>
+        <p14:creationId xmlns:p14="http://schemas.microsoft.com/office/powerpoint/2010/main" val="865316512"/>
       </p:ext>
     </p:extLst>
   </p:cSld>
@@ -1194,7 +1194,7 @@
     </p:spTree>
     <p:extLst>
       <p:ext uri="{BB962C8B-B14F-4D97-AF65-F5344CB8AC3E}">
-        <p14:creationId xmlns:p14="http://schemas.microsoft.com/office/powerpoint/2010/main" val="1063546850"/>
+        <p14:creationId xmlns:p14="http://schemas.microsoft.com/office/powerpoint/2010/main" val="1657133012"/>
       </p:ext>
     </p:extLst>
   </p:cSld>
@@ -1289,7 +1289,7 @@
     </p:spTree>
     <p:extLst>
       <p:ext uri="{BB962C8B-B14F-4D97-AF65-F5344CB8AC3E}">
-        <p14:creationId xmlns:p14="http://schemas.microsoft.com/office/powerpoint/2010/main" val="1018400255"/>
+        <p14:creationId xmlns:p14="http://schemas.microsoft.com/office/powerpoint/2010/main" val="1787631549"/>
       </p:ext>
     </p:extLst>
   </p:cSld>
@@ -1384,7 +1384,7 @@
     </p:spTree>
     <p:extLst>
       <p:ext uri="{BB962C8B-B14F-4D97-AF65-F5344CB8AC3E}">
-        <p14:creationId xmlns:p14="http://schemas.microsoft.com/office/powerpoint/2010/main" val="865316512"/>
+        <p14:creationId xmlns:p14="http://schemas.microsoft.com/office/powerpoint/2010/main" val="1018400255"/>
       </p:ext>
     </p:extLst>
   </p:cSld>
@@ -1479,7 +1479,7 @@
     </p:spTree>
     <p:extLst>
       <p:ext uri="{BB962C8B-B14F-4D97-AF65-F5344CB8AC3E}">
-        <p14:creationId xmlns:p14="http://schemas.microsoft.com/office/powerpoint/2010/main" val="1657133012"/>
+        <p14:creationId xmlns:p14="http://schemas.microsoft.com/office/powerpoint/2010/main" val="1063546850"/>
       </p:ext>
     </p:extLst>
   </p:cSld>
@@ -2424,6 +2424,96 @@
             </a:r>
           </a:p>
           <a:p>
+            <a:pPr marL="228600" lvl="0" indent="-228600">
+              <a:buAutoNum type="arabicPeriod"/>
+            </a:pPr>
+            <a:r>
+              <a:rPr lang="en-US" dirty="0"/>
+              <a:t>Psalm 2:7 – You are My Son, Today I have begotten You</a:t>
+            </a:r>
+          </a:p>
+          <a:p>
+            <a:pPr marL="685800" lvl="1" indent="-228600">
+              <a:buAutoNum type="arabicPeriod"/>
+            </a:pPr>
+            <a:r>
+              <a:rPr lang="en-US" dirty="0"/>
+              <a:t>Birth (Luke 1:35), Baptism (Luke 3:22), Transfiguration (Luke 9:35) </a:t>
+            </a:r>
+          </a:p>
+          <a:p>
+            <a:pPr marL="685800" lvl="1" indent="-228600">
+              <a:buAutoNum type="arabicPeriod"/>
+            </a:pPr>
+            <a:r>
+              <a:rPr lang="en-US" dirty="0"/>
+              <a:t>Acts 13:32-34 – Linked with His incarnation and His resurrection</a:t>
+            </a:r>
+          </a:p>
+          <a:p>
+            <a:pPr marL="685800" lvl="1" indent="-228600">
+              <a:buAutoNum type="arabicPeriod"/>
+            </a:pPr>
+            <a:r>
+              <a:rPr lang="en-US" dirty="0"/>
+              <a:t>Hebrews 5:5 – In connection with His exaltation as our High Priest</a:t>
+            </a:r>
+          </a:p>
+          <a:p>
+            <a:pPr marL="228600" lvl="0" indent="-228600">
+              <a:buAutoNum type="arabicPeriod"/>
+            </a:pPr>
+            <a:r>
+              <a:rPr lang="en-US" dirty="0"/>
+              <a:t>Heir – Your inheritance</a:t>
+            </a:r>
+          </a:p>
+          <a:p>
+            <a:pPr marL="685800" lvl="1" indent="-228600">
+              <a:buAutoNum type="arabicPeriod"/>
+            </a:pPr>
+            <a:r>
+              <a:rPr lang="en-US" dirty="0"/>
+              <a:t>The shepherd’s rod representing authority</a:t>
+            </a:r>
+          </a:p>
+          <a:p>
+            <a:pPr marL="685800" lvl="1" indent="-228600">
+              <a:buAutoNum type="arabicPeriod"/>
+            </a:pPr>
+            <a:r>
+              <a:rPr lang="en-US" dirty="0"/>
+              <a:t>But a rod of iron to use on the rebel nations (Rev 2:27; 12:5; 19:15; Ps 110:2)</a:t>
+            </a:r>
+          </a:p>
+          <a:p>
+            <a:pPr marL="228600" lvl="0" indent="-228600">
+              <a:buAutoNum type="arabicPeriod"/>
+            </a:pPr>
+            <a:r>
+              <a:rPr lang="en-US" dirty="0"/>
+              <a:t>Reconciliation – the Spirit’s call – “with trembling kiss His feet”</a:t>
+            </a:r>
+          </a:p>
+          <a:p>
+            <a:pPr marL="685800" lvl="1" indent="-228600">
+              <a:buAutoNum type="arabicPeriod"/>
+            </a:pPr>
+            <a:r>
+              <a:rPr lang="en-US" dirty="0"/>
+              <a:t>Kiss the Son – to the kings and judges – true wisdom is reconciliation while there is time and before judgement falls</a:t>
+            </a:r>
+          </a:p>
+          <a:p>
+            <a:pPr marL="685800" lvl="1" indent="-228600">
+              <a:buAutoNum type="arabicPeriod"/>
+            </a:pPr>
+            <a:r>
+              <a:rPr lang="en-US" dirty="0"/>
+              <a:t>Kiss – a token of repentance (Luke 7:38).  A token of forgiveness (Luke 15:11-24).  A token of homage and loyalty (Gen 41:40; 1 Sam 10:1)</a:t>
+            </a:r>
+          </a:p>
+          <a:p>
             <a:pPr marL="1143000" lvl="2" indent="-228600">
               <a:buAutoNum type="arabicPeriod"/>
             </a:pPr>
@@ -3078,7 +3168,7 @@
     </p:spTree>
     <p:extLst>
       <p:ext uri="{BB962C8B-B14F-4D97-AF65-F5344CB8AC3E}">
-        <p14:creationId xmlns:p14="http://schemas.microsoft.com/office/powerpoint/2010/main" val="1870443065"/>
+        <p14:creationId xmlns:p14="http://schemas.microsoft.com/office/powerpoint/2010/main" val="2336085702"/>
       </p:ext>
     </p:extLst>
   </p:cSld>
@@ -3173,7 +3263,7 @@
     </p:spTree>
     <p:extLst>
       <p:ext uri="{BB962C8B-B14F-4D97-AF65-F5344CB8AC3E}">
-        <p14:creationId xmlns:p14="http://schemas.microsoft.com/office/powerpoint/2010/main" val="1787631549"/>
+        <p14:creationId xmlns:p14="http://schemas.microsoft.com/office/powerpoint/2010/main" val="1870443065"/>
       </p:ext>
     </p:extLst>
   </p:cSld>
@@ -5154,7 +5244,7 @@
             <a:pPr algn="l"/>
             <a:r>
               <a:rPr lang="en-US" dirty="0"/>
-              <a:t>He would be falsely accused</a:t>
+              <a:t>He would be hated without cause</a:t>
             </a:r>
             <a:br>
               <a:rPr lang="en-US" dirty="0"/>
@@ -5168,7 +5258,7 @@
                   </a:schemeClr>
                 </a:solidFill>
               </a:rPr>
-              <a:t>Psalms 35:11  </a:t>
+              <a:t>Psalms 35:19  </a:t>
             </a:r>
             <a:r>
               <a:rPr lang="en-US" sz="2400" dirty="0">
@@ -5180,7 +5270,7 @@
                 </a:solidFill>
                 <a:sym typeface="Wingdings" panose="05000000000000000000" pitchFamily="2" charset="2"/>
               </a:rPr>
-              <a:t>  Mark 14:55-59</a:t>
+              <a:t>  John 15:23-27</a:t>
             </a:r>
             <a:endParaRPr lang="en-US" sz="2400" dirty="0">
               <a:solidFill>
@@ -5241,13 +5331,13 @@
           <a:p>
             <a:r>
               <a:rPr lang="en-US"/>
-              <a:t>Fierce witnesses rise up; They ask me things that I do not know. </a:t>
+              <a:t>Let them not rejoice over me who are wrongfully my enemies; Nor let them wink with the eye who hate me without a cause. </a:t>
             </a:r>
           </a:p>
           <a:p>
             <a:r>
               <a:rPr lang="en-US"/>
-              <a:t>(Psa 35:11)</a:t>
+              <a:t>(Psa 35:19)</a:t>
             </a:r>
           </a:p>
         </p:txBody>
@@ -5266,8 +5356,8 @@
         </p:nvSpPr>
         <p:spPr>
           <a:xfrm>
-            <a:off x="454854" y="3581400"/>
-            <a:ext cx="8307977" cy="3228576"/>
+            <a:off x="454854" y="2667000"/>
+            <a:ext cx="8307977" cy="4142976"/>
           </a:xfrm>
           <a:prstGeom prst="horizontalScroll">
             <a:avLst/>
@@ -5306,15 +5396,22 @@
           <a:lstStyle/>
           <a:p>
             <a:r>
-              <a:rPr lang="en-US" b="1" i="1" dirty="0">
+              <a:rPr lang="en-US" b="1" i="1">
                 <a:solidFill>
                   <a:schemeClr val="bg1">
                     <a:lumMod val="95000"/>
                   </a:schemeClr>
                 </a:solidFill>
               </a:rPr>
-              <a:t>Now the chief priests and all the council sought testimony against Jesus to put Him to death, but found none. For many bore false witness against Him, but their testimonies did not agree. Then some rose up and bore false witness against Him, saying, "We heard Him say, 'I will destroy this temple made with hands, and within three days I will build another made without hands.' " But not even then did their testimony agree. (Mar 14:55-59)</a:t>
-            </a:r>
+              <a:t>He who hates Me hates My Father also. If I had not done among them the works which no one else did, they would have no sin; but now they have seen and also hated both Me and My Father. But this happened that the word might be fulfilled which is written in their law, 'THEY HATED ME WITHOUT A CAUSE.' "But when the Helper comes, whom I shall send to you from the Father, the Spirit of truth who proceeds from the Father, He will testify of Me. And you also will bear witness, because you have been with Me from the beginning. (Joh 15:23-27)</a:t>
+            </a:r>
+            <a:endParaRPr lang="en-US" b="1" i="1" dirty="0">
+              <a:solidFill>
+                <a:schemeClr val="bg1">
+                  <a:lumMod val="95000"/>
+                </a:schemeClr>
+              </a:solidFill>
+            </a:endParaRPr>
           </a:p>
         </p:txBody>
       </p:sp>
@@ -5323,7 +5420,7 @@
           <p:cNvPr id="3" name="TextBox 2">
             <a:extLst>
               <a:ext uri="{FF2B5EF4-FFF2-40B4-BE49-F238E27FC236}">
-                <a16:creationId xmlns:a16="http://schemas.microsoft.com/office/drawing/2014/main" id="{186109AD-2D92-2CC2-D56C-643A8AA85E82}"/>
+                <a16:creationId xmlns:a16="http://schemas.microsoft.com/office/drawing/2014/main" id="{760A1305-A492-44F2-4D6C-D2255ADD48C2}"/>
               </a:ext>
             </a:extLst>
           </p:cNvPr>
@@ -5356,7 +5453,7 @@
     </p:spTree>
     <p:extLst>
       <p:ext uri="{BB962C8B-B14F-4D97-AF65-F5344CB8AC3E}">
-        <p14:creationId xmlns:p14="http://schemas.microsoft.com/office/powerpoint/2010/main" val="962447813"/>
+        <p14:creationId xmlns:p14="http://schemas.microsoft.com/office/powerpoint/2010/main" val="92056144"/>
       </p:ext>
     </p:extLst>
   </p:cSld>
@@ -5640,7 +5737,7 @@
             <a:pPr algn="l"/>
             <a:r>
               <a:rPr lang="en-US" dirty="0"/>
-              <a:t>He would be hated without cause</a:t>
+              <a:t>He would come to do God’s will</a:t>
             </a:r>
             <a:br>
               <a:rPr lang="en-US" dirty="0"/>
@@ -5654,7 +5751,7 @@
                   </a:schemeClr>
                 </a:solidFill>
               </a:rPr>
-              <a:t>Psalms 35:19  </a:t>
+              <a:t>Psalms 40:6-8  </a:t>
             </a:r>
             <a:r>
               <a:rPr lang="en-US" sz="2400" dirty="0">
@@ -5666,7 +5763,7 @@
                 </a:solidFill>
                 <a:sym typeface="Wingdings" panose="05000000000000000000" pitchFamily="2" charset="2"/>
               </a:rPr>
-              <a:t>  John 15:23-27</a:t>
+              <a:t>  Hebrews 10:5-9</a:t>
             </a:r>
             <a:endParaRPr lang="en-US" sz="2400" dirty="0">
               <a:solidFill>
@@ -5727,13 +5824,13 @@
           <a:p>
             <a:r>
               <a:rPr lang="en-US"/>
-              <a:t>Let them not rejoice over me who are wrongfully my enemies; Nor let them wink with the eye who hate me without a cause. </a:t>
+              <a:t>Sacrifice and offering You did not desire; My ears You have opened. Burnt offering and sin offering You did not require. Then I said, "Behold, I come; In the scroll of the book it is written of me. I delight to do Your will, O my God, And Your law is within my heart." </a:t>
             </a:r>
           </a:p>
           <a:p>
             <a:r>
               <a:rPr lang="en-US"/>
-              <a:t>(Psa 35:19)</a:t>
+              <a:t>(Psa 40:6-8)</a:t>
             </a:r>
           </a:p>
         </p:txBody>
@@ -5752,8 +5849,8 @@
         </p:nvSpPr>
         <p:spPr>
           <a:xfrm>
-            <a:off x="454854" y="2667000"/>
-            <a:ext cx="8307977" cy="4142976"/>
+            <a:off x="454854" y="2362200"/>
+            <a:ext cx="8307977" cy="4447776"/>
           </a:xfrm>
           <a:prstGeom prst="horizontalScroll">
             <a:avLst/>
@@ -5792,22 +5889,9 @@
           <a:lstStyle/>
           <a:p>
             <a:r>
-              <a:rPr lang="en-US" b="1" i="1">
-                <a:solidFill>
-                  <a:schemeClr val="bg1">
-                    <a:lumMod val="95000"/>
-                  </a:schemeClr>
-                </a:solidFill>
-              </a:rPr>
-              <a:t>He who hates Me hates My Father also. If I had not done among them the works which no one else did, they would have no sin; but now they have seen and also hated both Me and My Father. But this happened that the word might be fulfilled which is written in their law, 'THEY HATED ME WITHOUT A CAUSE.' "But when the Helper comes, whom I shall send to you from the Father, the Spirit of truth who proceeds from the Father, He will testify of Me. And you also will bear witness, because you have been with Me from the beginning. (Joh 15:23-27)</a:t>
-            </a:r>
-            <a:endParaRPr lang="en-US" b="1" i="1" dirty="0">
-              <a:solidFill>
-                <a:schemeClr val="bg1">
-                  <a:lumMod val="95000"/>
-                </a:schemeClr>
-              </a:solidFill>
-            </a:endParaRPr>
+              <a:rPr lang="en-US" dirty="0"/>
+              <a:t>Therefore, when He came into the world, He said: "SACRIFICE AND OFFERING YOU DID NOT DESIRE, BUT A BODY YOU HAVE PREPARED FOR ME. IN BURNT OFFERINGS AND SACRIFICES FOR SIN YOU HAD NO PLEASURE. THEN I SAID, 'BEHOLD, I HAVE COME—IN THE VOLUME OF THE BOOK IT IS WRITTEN OF ME—TO DO YOUR WILL, O GOD.' " Previously saying, "SACRIFICE AND OFFERING, BURNT OFFERINGS, AND OFFERINGS FOR SIN YOU DID NOT DESIRE, NOR HAD PLEASURE IN THEM" (which are offered according to the law), then He said, "BEHOLD, I HAVE COME TO DO YOUR WILL, O GOD." He takes away the first that He may establish the second.  (Heb 10:5-9)</a:t>
+            </a:r>
           </a:p>
         </p:txBody>
       </p:sp>
@@ -5816,7 +5900,7 @@
           <p:cNvPr id="3" name="TextBox 2">
             <a:extLst>
               <a:ext uri="{FF2B5EF4-FFF2-40B4-BE49-F238E27FC236}">
-                <a16:creationId xmlns:a16="http://schemas.microsoft.com/office/drawing/2014/main" id="{760A1305-A492-44F2-4D6C-D2255ADD48C2}"/>
+                <a16:creationId xmlns:a16="http://schemas.microsoft.com/office/drawing/2014/main" id="{7501ADF2-B7B0-9B71-D09E-4DE68CD76A87}"/>
               </a:ext>
             </a:extLst>
           </p:cNvPr>
@@ -5849,7 +5933,7 @@
     </p:spTree>
     <p:extLst>
       <p:ext uri="{BB962C8B-B14F-4D97-AF65-F5344CB8AC3E}">
-        <p14:creationId xmlns:p14="http://schemas.microsoft.com/office/powerpoint/2010/main" val="92056144"/>
+        <p14:creationId xmlns:p14="http://schemas.microsoft.com/office/powerpoint/2010/main" val="777410421"/>
       </p:ext>
     </p:extLst>
   </p:cSld>
@@ -6120,8 +6204,8 @@
         </p:nvSpPr>
         <p:spPr>
           <a:xfrm>
-            <a:off x="457200" y="0"/>
-            <a:ext cx="8229600" cy="914400"/>
+            <a:off x="454854" y="0"/>
+            <a:ext cx="8612946" cy="914400"/>
           </a:xfrm>
         </p:spPr>
         <p:txBody>
@@ -6132,8 +6216,8 @@
           <a:p>
             <a:pPr algn="l"/>
             <a:r>
-              <a:rPr lang="en-US" dirty="0"/>
-              <a:t>He would come to do God’s will</a:t>
+              <a:rPr lang="en-US" sz="3100" dirty="0"/>
+              <a:t>He would be consumed by zeal for God’s house</a:t>
             </a:r>
             <a:br>
               <a:rPr lang="en-US" dirty="0"/>
@@ -6147,7 +6231,7 @@
                   </a:schemeClr>
                 </a:solidFill>
               </a:rPr>
-              <a:t>Psalms 40:6-8  </a:t>
+              <a:t>Psalms 69:9  </a:t>
             </a:r>
             <a:r>
               <a:rPr lang="en-US" sz="2400" dirty="0">
@@ -6159,7 +6243,7 @@
                 </a:solidFill>
                 <a:sym typeface="Wingdings" panose="05000000000000000000" pitchFamily="2" charset="2"/>
               </a:rPr>
-              <a:t>  Hebrews 10:5-9</a:t>
+              <a:t>  John 2:17</a:t>
             </a:r>
             <a:endParaRPr lang="en-US" sz="2400" dirty="0">
               <a:solidFill>
@@ -6220,13 +6304,13 @@
           <a:p>
             <a:r>
               <a:rPr lang="en-US"/>
-              <a:t>Sacrifice and offering You did not desire; My ears You have opened. Burnt offering and sin offering You did not require. Then I said, "Behold, I come; In the scroll of the book it is written of me. I delight to do Your will, O my God, And Your law is within my heart." </a:t>
+              <a:t>Because zeal for Your house has eaten me up, And the reproaches of those who reproach You have fallen on me. </a:t>
             </a:r>
           </a:p>
           <a:p>
             <a:r>
               <a:rPr lang="en-US"/>
-              <a:t>(Psa 40:6-8)</a:t>
+              <a:t>(Psa 69:9)</a:t>
             </a:r>
           </a:p>
         </p:txBody>
@@ -6245,8 +6329,8 @@
         </p:nvSpPr>
         <p:spPr>
           <a:xfrm>
-            <a:off x="454854" y="2362200"/>
-            <a:ext cx="8307977" cy="4447776"/>
+            <a:off x="454854" y="3581400"/>
+            <a:ext cx="8307977" cy="3228576"/>
           </a:xfrm>
           <a:prstGeom prst="horizontalScroll">
             <a:avLst/>
@@ -6286,7 +6370,13 @@
           <a:p>
             <a:r>
               <a:rPr lang="en-US" dirty="0"/>
-              <a:t>Therefore, when He came into the world, He said: "SACRIFICE AND OFFERING YOU DID NOT DESIRE, BUT A BODY YOU HAVE PREPARED FOR ME. IN BURNT OFFERINGS AND SACRIFICES FOR SIN YOU HAD NO PLEASURE. THEN I SAID, 'BEHOLD, I HAVE COME—IN THE VOLUME OF THE BOOK IT IS WRITTEN OF ME—TO DO YOUR WILL, O GOD.' " Previously saying, "SACRIFICE AND OFFERING, BURNT OFFERINGS, AND OFFERINGS FOR SIN YOU DID NOT DESIRE, NOR HAD PLEASURE IN THEM" (which are offered according to the law), then He said, "BEHOLD, I HAVE COME TO DO YOUR WILL, O GOD." He takes away the first that He may establish the second.  (Heb 10:5-9)</a:t>
+              <a:t>When He had made a whip of cords, He drove them all out of the temple, with the sheep and the oxen, and poured out the changers' money and overturned the tables. And He said to those who sold doves, "Take these things away! Do not make My Father's house a house of merchandise!" Then His disciples remembered that it was written, "ZEAL FOR YOUR HOUSE HAS EATEN ME UP." </a:t>
+            </a:r>
+          </a:p>
+          <a:p>
+            <a:r>
+              <a:rPr lang="en-US" dirty="0"/>
+              <a:t>(Joh 2:15-17)</a:t>
             </a:r>
           </a:p>
         </p:txBody>
@@ -6296,7 +6386,7 @@
           <p:cNvPr id="3" name="TextBox 2">
             <a:extLst>
               <a:ext uri="{FF2B5EF4-FFF2-40B4-BE49-F238E27FC236}">
-                <a16:creationId xmlns:a16="http://schemas.microsoft.com/office/drawing/2014/main" id="{7501ADF2-B7B0-9B71-D09E-4DE68CD76A87}"/>
+                <a16:creationId xmlns:a16="http://schemas.microsoft.com/office/drawing/2014/main" id="{F352CB8A-DB43-A98C-4677-6FAB60E50578}"/>
               </a:ext>
             </a:extLst>
           </p:cNvPr>
@@ -6329,7 +6419,7 @@
     </p:spTree>
     <p:extLst>
       <p:ext uri="{BB962C8B-B14F-4D97-AF65-F5344CB8AC3E}">
-        <p14:creationId xmlns:p14="http://schemas.microsoft.com/office/powerpoint/2010/main" val="777410421"/>
+        <p14:creationId xmlns:p14="http://schemas.microsoft.com/office/powerpoint/2010/main" val="3095763942"/>
       </p:ext>
     </p:extLst>
   </p:cSld>
@@ -7094,7 +7184,7 @@
         <p:spPr>
           <a:xfrm>
             <a:off x="457200" y="0"/>
-            <a:ext cx="8229600" cy="914400"/>
+            <a:ext cx="8534400" cy="914400"/>
           </a:xfrm>
         </p:spPr>
         <p:txBody>
@@ -7106,7 +7196,7 @@
             <a:pPr algn="l"/>
             <a:r>
               <a:rPr lang="en-US" dirty="0"/>
-              <a:t>His throne would be forever</a:t>
+              <a:t>He would be given sour wine to drink</a:t>
             </a:r>
             <a:br>
               <a:rPr lang="en-US" dirty="0"/>
@@ -7120,7 +7210,7 @@
                   </a:schemeClr>
                 </a:solidFill>
               </a:rPr>
-              <a:t>Psalms 45:6  </a:t>
+              <a:t>Psalms 69:21  </a:t>
             </a:r>
             <a:r>
               <a:rPr lang="en-US" sz="2400" dirty="0">
@@ -7132,7 +7222,7 @@
                 </a:solidFill>
                 <a:sym typeface="Wingdings" panose="05000000000000000000" pitchFamily="2" charset="2"/>
               </a:rPr>
-              <a:t>  Hebrews 1:8</a:t>
+              <a:t>  Matthew 27:34</a:t>
             </a:r>
             <a:endParaRPr lang="en-US" sz="2400" dirty="0">
               <a:solidFill>
@@ -7193,13 +7283,13 @@
           <a:p>
             <a:r>
               <a:rPr lang="en-US"/>
-              <a:t>Your throne, O God, is forever and ever; A scepter of righteousness is the scepter of Your kingdom. </a:t>
+              <a:t>Draw near to my soul, and redeem it; Deliver me because of my enemies. You know my reproach, my shame, and my dishonor; My adversaries are all before You. Reproach has broken my heart, And I am full of heaviness; I looked for someone to take pity, but there was none; And for comforters, but I found none. They also gave me gall for my food, And for my thirst they gave me vinegar to drink. </a:t>
             </a:r>
           </a:p>
           <a:p>
             <a:r>
               <a:rPr lang="en-US"/>
-              <a:t>(Psa 45:6)</a:t>
+              <a:t>(Psa 69:18-21)</a:t>
             </a:r>
           </a:p>
         </p:txBody>
@@ -7258,15 +7348,22 @@
           <a:lstStyle/>
           <a:p>
             <a:r>
-              <a:rPr lang="en-US"/>
-              <a:t>But to the Son He says: "YOUR THRONE, O GOD, IS FOREVER AND EVER; A SCEPTER OF RIGHTEOUSNESS IS THE SCEPTER OF YOUR KINGDOM. </a:t>
-            </a:r>
-          </a:p>
-          <a:p>
-            <a:r>
-              <a:rPr lang="en-US"/>
-              <a:t>(Heb 1:8)</a:t>
-            </a:r>
+              <a:rPr lang="en-US" b="1" i="1">
+                <a:solidFill>
+                  <a:schemeClr val="bg1">
+                    <a:lumMod val="95000"/>
+                  </a:schemeClr>
+                </a:solidFill>
+              </a:rPr>
+              <a:t>And when they had come to a place called Golgotha, that is to say, Place of a Skull, they gave Him sour wine mingled with gall to drink. But when He had tasted it, He would not drink. (Mat 27:33-34)</a:t>
+            </a:r>
+            <a:endParaRPr lang="en-US" b="1" i="1" dirty="0">
+              <a:solidFill>
+                <a:schemeClr val="bg1">
+                  <a:lumMod val="95000"/>
+                </a:schemeClr>
+              </a:solidFill>
+            </a:endParaRPr>
           </a:p>
         </p:txBody>
       </p:sp>
@@ -7275,7 +7372,7 @@
           <p:cNvPr id="3" name="TextBox 2">
             <a:extLst>
               <a:ext uri="{FF2B5EF4-FFF2-40B4-BE49-F238E27FC236}">
-                <a16:creationId xmlns:a16="http://schemas.microsoft.com/office/drawing/2014/main" id="{CBC9B62D-3C68-3287-B01A-D5C2FC0D61CC}"/>
+                <a16:creationId xmlns:a16="http://schemas.microsoft.com/office/drawing/2014/main" id="{9E7E775E-64BF-AE7E-07DF-8A2455AE1774}"/>
               </a:ext>
             </a:extLst>
           </p:cNvPr>
@@ -7308,7 +7405,7 @@
     </p:spTree>
     <p:extLst>
       <p:ext uri="{BB962C8B-B14F-4D97-AF65-F5344CB8AC3E}">
-        <p14:creationId xmlns:p14="http://schemas.microsoft.com/office/powerpoint/2010/main" val="4043517436"/>
+        <p14:creationId xmlns:p14="http://schemas.microsoft.com/office/powerpoint/2010/main" val="3949853246"/>
       </p:ext>
     </p:extLst>
   </p:cSld>
@@ -7580,7 +7677,7 @@
         <p:spPr>
           <a:xfrm>
             <a:off x="457200" y="0"/>
-            <a:ext cx="8458200" cy="914400"/>
+            <a:ext cx="8229600" cy="914400"/>
           </a:xfrm>
         </p:spPr>
         <p:txBody>
@@ -7592,7 +7689,7 @@
             <a:pPr algn="l"/>
             <a:r>
               <a:rPr lang="en-US" dirty="0"/>
-              <a:t>He would ascend to God’s right hand</a:t>
+              <a:t>None of His bones would be broken</a:t>
             </a:r>
             <a:br>
               <a:rPr lang="en-US" dirty="0"/>
@@ -7606,7 +7703,7 @@
                   </a:schemeClr>
                 </a:solidFill>
               </a:rPr>
-              <a:t>Psalms 68:18  </a:t>
+              <a:t>Psalms 34:20  </a:t>
             </a:r>
             <a:r>
               <a:rPr lang="en-US" sz="2400" dirty="0">
@@ -7618,7 +7715,7 @@
                 </a:solidFill>
                 <a:sym typeface="Wingdings" panose="05000000000000000000" pitchFamily="2" charset="2"/>
               </a:rPr>
-              <a:t>  Mark 16:19</a:t>
+              <a:t>  John 19:32-33</a:t>
             </a:r>
             <a:endParaRPr lang="en-US" sz="2400" dirty="0">
               <a:solidFill>
@@ -7678,23 +7775,22 @@
           <a:lstStyle/>
           <a:p>
             <a:r>
-              <a:rPr lang="en-US" dirty="0"/>
-              <a:t>You have ascended on high, You have led captivity captive; You have received gifts among men, Even from the rebellious, That the LORD God might dwell there. </a:t>
-            </a:r>
-          </a:p>
-          <a:p>
-            <a:r>
-              <a:rPr lang="en-US" dirty="0"/>
-              <a:t>(</a:t>
-            </a:r>
-            <a:r>
-              <a:rPr lang="en-US" dirty="0" err="1"/>
-              <a:t>Psa</a:t>
-            </a:r>
-            <a:r>
-              <a:rPr lang="en-US" dirty="0"/>
-              <a:t> 68:18)</a:t>
-            </a:r>
+              <a:rPr lang="en-US" b="1" i="1">
+                <a:solidFill>
+                  <a:schemeClr val="bg1">
+                    <a:lumMod val="95000"/>
+                  </a:schemeClr>
+                </a:solidFill>
+              </a:rPr>
+              <a:t>He guards all his bones; Not one of them is broken. (Psa 34:20)</a:t>
+            </a:r>
+            <a:endParaRPr lang="en-US" b="1" i="1" dirty="0">
+              <a:solidFill>
+                <a:schemeClr val="bg1">
+                  <a:lumMod val="95000"/>
+                </a:schemeClr>
+              </a:solidFill>
+            </a:endParaRPr>
           </a:p>
         </p:txBody>
       </p:sp>
@@ -7753,13 +7849,13 @@
           <a:p>
             <a:r>
               <a:rPr lang="en-US"/>
-              <a:t>So then, after the Lord had spoken to them, He was received up into heaven, and sat down at the right hand of God. </a:t>
+              <a:t>Then the soldiers came and broke the legs of the first and of the other who was crucified with Him. But when they came to Jesus and saw that He was already dead, they did not break His legs. </a:t>
             </a:r>
           </a:p>
           <a:p>
             <a:r>
               <a:rPr lang="en-US"/>
-              <a:t>(Mar 16:19)</a:t>
+              <a:t>(Joh 19:32-33)</a:t>
             </a:r>
           </a:p>
         </p:txBody>
@@ -7769,7 +7865,7 @@
           <p:cNvPr id="3" name="TextBox 2">
             <a:extLst>
               <a:ext uri="{FF2B5EF4-FFF2-40B4-BE49-F238E27FC236}">
-                <a16:creationId xmlns:a16="http://schemas.microsoft.com/office/drawing/2014/main" id="{3540C5DB-78DC-8F38-97CE-5D32382EE856}"/>
+                <a16:creationId xmlns:a16="http://schemas.microsoft.com/office/drawing/2014/main" id="{E6610516-B117-ED45-6FB0-6ED6B907E4E5}"/>
               </a:ext>
             </a:extLst>
           </p:cNvPr>
@@ -7802,7 +7898,7 @@
     </p:spTree>
     <p:extLst>
       <p:ext uri="{BB962C8B-B14F-4D97-AF65-F5344CB8AC3E}">
-        <p14:creationId xmlns:p14="http://schemas.microsoft.com/office/powerpoint/2010/main" val="706597792"/>
+        <p14:creationId xmlns:p14="http://schemas.microsoft.com/office/powerpoint/2010/main" val="3477688620"/>
       </p:ext>
     </p:extLst>
   </p:cSld>
@@ -8073,8 +8169,8 @@
         </p:nvSpPr>
         <p:spPr>
           <a:xfrm>
-            <a:off x="454854" y="0"/>
-            <a:ext cx="8612946" cy="914400"/>
+            <a:off x="457200" y="0"/>
+            <a:ext cx="8458200" cy="914400"/>
           </a:xfrm>
         </p:spPr>
         <p:txBody>
@@ -8085,8 +8181,8 @@
           <a:p>
             <a:pPr algn="l"/>
             <a:r>
-              <a:rPr lang="en-US" sz="3100" dirty="0"/>
-              <a:t>He would be consumed by zeal for God’s house</a:t>
+              <a:rPr lang="en-US" dirty="0"/>
+              <a:t>He would ascend to God’s right hand</a:t>
             </a:r>
             <a:br>
               <a:rPr lang="en-US" dirty="0"/>
@@ -8100,7 +8196,7 @@
                   </a:schemeClr>
                 </a:solidFill>
               </a:rPr>
-              <a:t>Psalms 69:9  </a:t>
+              <a:t>Psalms 68:18  </a:t>
             </a:r>
             <a:r>
               <a:rPr lang="en-US" sz="2400" dirty="0">
@@ -8112,7 +8208,7 @@
                 </a:solidFill>
                 <a:sym typeface="Wingdings" panose="05000000000000000000" pitchFamily="2" charset="2"/>
               </a:rPr>
-              <a:t>  John 2:17</a:t>
+              <a:t>  Mark 16:19</a:t>
             </a:r>
             <a:endParaRPr lang="en-US" sz="2400" dirty="0">
               <a:solidFill>
@@ -8172,14 +8268,22 @@
           <a:lstStyle/>
           <a:p>
             <a:r>
-              <a:rPr lang="en-US"/>
-              <a:t>Because zeal for Your house has eaten me up, And the reproaches of those who reproach You have fallen on me. </a:t>
-            </a:r>
-          </a:p>
-          <a:p>
-            <a:r>
-              <a:rPr lang="en-US"/>
-              <a:t>(Psa 69:9)</a:t>
+              <a:rPr lang="en-US" dirty="0"/>
+              <a:t>You have ascended on high, You have led captivity captive; You have received gifts among men, Even from the rebellious, That the LORD God might dwell there. </a:t>
+            </a:r>
+          </a:p>
+          <a:p>
+            <a:r>
+              <a:rPr lang="en-US" dirty="0"/>
+              <a:t>(</a:t>
+            </a:r>
+            <a:r>
+              <a:rPr lang="en-US" dirty="0" err="1"/>
+              <a:t>Psa</a:t>
+            </a:r>
+            <a:r>
+              <a:rPr lang="en-US" dirty="0"/>
+              <a:t> 68:18)</a:t>
             </a:r>
           </a:p>
         </p:txBody>
@@ -8238,14 +8342,14 @@
           <a:lstStyle/>
           <a:p>
             <a:r>
-              <a:rPr lang="en-US" dirty="0"/>
-              <a:t>When He had made a whip of cords, He drove them all out of the temple, with the sheep and the oxen, and poured out the changers' money and overturned the tables. And He said to those who sold doves, "Take these things away! Do not make My Father's house a house of merchandise!" Then His disciples remembered that it was written, "ZEAL FOR YOUR HOUSE HAS EATEN ME UP." </a:t>
-            </a:r>
-          </a:p>
-          <a:p>
-            <a:r>
-              <a:rPr lang="en-US" dirty="0"/>
-              <a:t>(Joh 2:15-17)</a:t>
+              <a:rPr lang="en-US"/>
+              <a:t>So then, after the Lord had spoken to them, He was received up into heaven, and sat down at the right hand of God. </a:t>
+            </a:r>
+          </a:p>
+          <a:p>
+            <a:r>
+              <a:rPr lang="en-US"/>
+              <a:t>(Mar 16:19)</a:t>
             </a:r>
           </a:p>
         </p:txBody>
@@ -8255,7 +8359,7 @@
           <p:cNvPr id="3" name="TextBox 2">
             <a:extLst>
               <a:ext uri="{FF2B5EF4-FFF2-40B4-BE49-F238E27FC236}">
-                <a16:creationId xmlns:a16="http://schemas.microsoft.com/office/drawing/2014/main" id="{F352CB8A-DB43-A98C-4677-6FAB60E50578}"/>
+                <a16:creationId xmlns:a16="http://schemas.microsoft.com/office/drawing/2014/main" id="{3540C5DB-78DC-8F38-97CE-5D32382EE856}"/>
               </a:ext>
             </a:extLst>
           </p:cNvPr>
@@ -8288,7 +8392,7 @@
     </p:spTree>
     <p:extLst>
       <p:ext uri="{BB962C8B-B14F-4D97-AF65-F5344CB8AC3E}">
-        <p14:creationId xmlns:p14="http://schemas.microsoft.com/office/powerpoint/2010/main" val="3095763942"/>
+        <p14:creationId xmlns:p14="http://schemas.microsoft.com/office/powerpoint/2010/main" val="706597792"/>
       </p:ext>
     </p:extLst>
   </p:cSld>
@@ -8560,7 +8664,7 @@
         <p:spPr>
           <a:xfrm>
             <a:off x="457200" y="0"/>
-            <a:ext cx="8534400" cy="914400"/>
+            <a:ext cx="8229600" cy="914400"/>
           </a:xfrm>
         </p:spPr>
         <p:txBody>
@@ -8572,7 +8676,7 @@
             <a:pPr algn="l"/>
             <a:r>
               <a:rPr lang="en-US" dirty="0"/>
-              <a:t>He would be given sour wine to drink</a:t>
+              <a:t>His throne would be forever</a:t>
             </a:r>
             <a:br>
               <a:rPr lang="en-US" dirty="0"/>
@@ -8586,7 +8690,7 @@
                   </a:schemeClr>
                 </a:solidFill>
               </a:rPr>
-              <a:t>Psalms 69:21  </a:t>
+              <a:t>Psalms 45:6  </a:t>
             </a:r>
             <a:r>
               <a:rPr lang="en-US" sz="2400" dirty="0">
@@ -8598,7 +8702,7 @@
                 </a:solidFill>
                 <a:sym typeface="Wingdings" panose="05000000000000000000" pitchFamily="2" charset="2"/>
               </a:rPr>
-              <a:t>  Matthew 27:34</a:t>
+              <a:t>  Hebrews 1:8</a:t>
             </a:r>
             <a:endParaRPr lang="en-US" sz="2400" dirty="0">
               <a:solidFill>
@@ -8659,13 +8763,13 @@
           <a:p>
             <a:r>
               <a:rPr lang="en-US"/>
-              <a:t>Draw near to my soul, and redeem it; Deliver me because of my enemies. You know my reproach, my shame, and my dishonor; My adversaries are all before You. Reproach has broken my heart, And I am full of heaviness; I looked for someone to take pity, but there was none; And for comforters, but I found none. They also gave me gall for my food, And for my thirst they gave me vinegar to drink. </a:t>
+              <a:t>Your throne, O God, is forever and ever; A scepter of righteousness is the scepter of Your kingdom. </a:t>
             </a:r>
           </a:p>
           <a:p>
             <a:r>
               <a:rPr lang="en-US"/>
-              <a:t>(Psa 69:18-21)</a:t>
+              <a:t>(Psa 45:6)</a:t>
             </a:r>
           </a:p>
         </p:txBody>
@@ -8724,22 +8828,15 @@
           <a:lstStyle/>
           <a:p>
             <a:r>
-              <a:rPr lang="en-US" b="1" i="1">
-                <a:solidFill>
-                  <a:schemeClr val="bg1">
-                    <a:lumMod val="95000"/>
-                  </a:schemeClr>
-                </a:solidFill>
-              </a:rPr>
-              <a:t>And when they had come to a place called Golgotha, that is to say, Place of a Skull, they gave Him sour wine mingled with gall to drink. But when He had tasted it, He would not drink. (Mat 27:33-34)</a:t>
-            </a:r>
-            <a:endParaRPr lang="en-US" b="1" i="1" dirty="0">
-              <a:solidFill>
-                <a:schemeClr val="bg1">
-                  <a:lumMod val="95000"/>
-                </a:schemeClr>
-              </a:solidFill>
-            </a:endParaRPr>
+              <a:rPr lang="en-US"/>
+              <a:t>But to the Son He says: "YOUR THRONE, O GOD, IS FOREVER AND EVER; A SCEPTER OF RIGHTEOUSNESS IS THE SCEPTER OF YOUR KINGDOM. </a:t>
+            </a:r>
+          </a:p>
+          <a:p>
+            <a:r>
+              <a:rPr lang="en-US"/>
+              <a:t>(Heb 1:8)</a:t>
+            </a:r>
           </a:p>
         </p:txBody>
       </p:sp>
@@ -8748,7 +8845,7 @@
           <p:cNvPr id="3" name="TextBox 2">
             <a:extLst>
               <a:ext uri="{FF2B5EF4-FFF2-40B4-BE49-F238E27FC236}">
-                <a16:creationId xmlns:a16="http://schemas.microsoft.com/office/drawing/2014/main" id="{9E7E775E-64BF-AE7E-07DF-8A2455AE1774}"/>
+                <a16:creationId xmlns:a16="http://schemas.microsoft.com/office/drawing/2014/main" id="{CBC9B62D-3C68-3287-B01A-D5C2FC0D61CC}"/>
               </a:ext>
             </a:extLst>
           </p:cNvPr>
@@ -8781,7 +8878,7 @@
     </p:spTree>
     <p:extLst>
       <p:ext uri="{BB962C8B-B14F-4D97-AF65-F5344CB8AC3E}">
-        <p14:creationId xmlns:p14="http://schemas.microsoft.com/office/powerpoint/2010/main" val="3949853246"/>
+        <p14:creationId xmlns:p14="http://schemas.microsoft.com/office/powerpoint/2010/main" val="4043517436"/>
       </p:ext>
     </p:extLst>
   </p:cSld>
@@ -9670,7 +9767,7 @@
             </a:r>
             <a:r>
               <a:rPr lang="en-US" dirty="0"/>
-              <a:t> in Jesus of Nazareth. (John 14:6-11; John 18:37)</a:t>
+              <a:t> in Jesus of Nazareth. (John 14:6-11; John 18:37; Acts 2:22)</a:t>
             </a:r>
           </a:p>
           <a:p>
@@ -11096,7 +11193,7 @@
                   </a:schemeClr>
                 </a:solidFill>
               </a:rPr>
-              <a:t>V1.</a:t>
+              <a:t>(1)</a:t>
             </a:r>
             <a:r>
               <a:rPr lang="en-US" dirty="0"/>
@@ -11153,7 +11250,7 @@
                   </a:schemeClr>
                 </a:solidFill>
               </a:rPr>
-              <a:t>V2.</a:t>
+              <a:t>(2)</a:t>
             </a:r>
             <a:r>
               <a:rPr lang="en-US" dirty="0"/>
@@ -11194,7 +11291,7 @@
                   </a:schemeClr>
                 </a:solidFill>
               </a:rPr>
-              <a:t>V3.</a:t>
+              <a:t>(3)</a:t>
             </a:r>
             <a:r>
               <a:rPr lang="en-US" dirty="0"/>
@@ -11219,7 +11316,7 @@
                   </a:schemeClr>
                 </a:solidFill>
               </a:rPr>
-              <a:t>V4.</a:t>
+              <a:t>(4)</a:t>
             </a:r>
             <a:r>
               <a:rPr lang="en-US" dirty="0"/>
@@ -11252,7 +11349,7 @@
                   </a:schemeClr>
                 </a:solidFill>
               </a:rPr>
-              <a:t>V5.</a:t>
+              <a:t>(5)</a:t>
             </a:r>
             <a:r>
               <a:rPr lang="en-US" dirty="0"/>
@@ -11285,7 +11382,7 @@
                   </a:schemeClr>
                 </a:solidFill>
               </a:rPr>
-              <a:t>V6.</a:t>
+              <a:t>(6)</a:t>
             </a:r>
             <a:r>
               <a:rPr lang="en-US" dirty="0"/>
@@ -15639,7 +15736,7 @@
             <a:pPr algn="l"/>
             <a:r>
               <a:rPr lang="en-US" dirty="0"/>
-              <a:t>They would cast lots for His clothes</a:t>
+              <a:t>He would be falsely accused</a:t>
             </a:r>
             <a:br>
               <a:rPr lang="en-US" dirty="0"/>
@@ -15653,7 +15750,7 @@
                   </a:schemeClr>
                 </a:solidFill>
               </a:rPr>
-              <a:t>Psalms 22:18  </a:t>
+              <a:t>Psalms 35:11  </a:t>
             </a:r>
             <a:r>
               <a:rPr lang="en-US" sz="2400" dirty="0">
@@ -15665,7 +15762,7 @@
                 </a:solidFill>
                 <a:sym typeface="Wingdings" panose="05000000000000000000" pitchFamily="2" charset="2"/>
               </a:rPr>
-              <a:t>  Matthew 27:35-36</a:t>
+              <a:t>  Mark 14:55-59</a:t>
             </a:r>
             <a:endParaRPr lang="en-US" sz="2400" dirty="0">
               <a:solidFill>
@@ -15725,22 +15822,14 @@
           <a:lstStyle/>
           <a:p>
             <a:r>
-              <a:rPr lang="en-US" dirty="0"/>
-              <a:t>They divide My garments among them, And for My clothing they cast lots. </a:t>
-            </a:r>
-          </a:p>
-          <a:p>
-            <a:r>
-              <a:rPr lang="en-US" dirty="0"/>
-              <a:t>(</a:t>
-            </a:r>
-            <a:r>
-              <a:rPr lang="en-US" dirty="0" err="1"/>
-              <a:t>Psa</a:t>
-            </a:r>
-            <a:r>
-              <a:rPr lang="en-US" dirty="0"/>
-              <a:t> 22:18)</a:t>
+              <a:rPr lang="en-US"/>
+              <a:t>Fierce witnesses rise up; They ask me things that I do not know. </a:t>
+            </a:r>
+          </a:p>
+          <a:p>
+            <a:r>
+              <a:rPr lang="en-US"/>
+              <a:t>(Psa 35:11)</a:t>
             </a:r>
           </a:p>
         </p:txBody>
@@ -15799,14 +15888,14 @@
           <a:lstStyle/>
           <a:p>
             <a:r>
-              <a:rPr lang="en-US"/>
-              <a:t>Then they crucified Him, and divided His garments, casting lots, that it might be fulfilled which was spoken by the prophet: "THEY DIVIDED MY GARMENTS AMONG THEM, AND FOR MY CLOTHING THEY CAST LOTS." Sitting down, they kept watch over Him there. </a:t>
-            </a:r>
-          </a:p>
-          <a:p>
-            <a:r>
-              <a:rPr lang="en-US"/>
-              <a:t>(Mat 27:35-36)</a:t>
+              <a:rPr lang="en-US" b="1" i="1" dirty="0">
+                <a:solidFill>
+                  <a:schemeClr val="bg1">
+                    <a:lumMod val="95000"/>
+                  </a:schemeClr>
+                </a:solidFill>
+              </a:rPr>
+              <a:t>Now the chief priests and all the council sought testimony against Jesus to put Him to death, but found none. For many bore false witness against Him, but their testimonies did not agree. Then some rose up and bore false witness against Him, saying, "We heard Him say, 'I will destroy this temple made with hands, and within three days I will build another made without hands.' " But not even then did their testimony agree. (Mar 14:55-59)</a:t>
             </a:r>
           </a:p>
         </p:txBody>
@@ -15816,7 +15905,7 @@
           <p:cNvPr id="3" name="TextBox 2">
             <a:extLst>
               <a:ext uri="{FF2B5EF4-FFF2-40B4-BE49-F238E27FC236}">
-                <a16:creationId xmlns:a16="http://schemas.microsoft.com/office/drawing/2014/main" id="{781611CB-CC91-3089-ECFD-BC85D133A380}"/>
+                <a16:creationId xmlns:a16="http://schemas.microsoft.com/office/drawing/2014/main" id="{186109AD-2D92-2CC2-D56C-643A8AA85E82}"/>
               </a:ext>
             </a:extLst>
           </p:cNvPr>
@@ -15849,7 +15938,7 @@
     </p:spTree>
     <p:extLst>
       <p:ext uri="{BB962C8B-B14F-4D97-AF65-F5344CB8AC3E}">
-        <p14:creationId xmlns:p14="http://schemas.microsoft.com/office/powerpoint/2010/main" val="1088891020"/>
+        <p14:creationId xmlns:p14="http://schemas.microsoft.com/office/powerpoint/2010/main" val="962447813"/>
       </p:ext>
     </p:extLst>
   </p:cSld>
@@ -16133,7 +16222,7 @@
             <a:pPr algn="l"/>
             <a:r>
               <a:rPr lang="en-US" dirty="0"/>
-              <a:t>None of His bones would be broken</a:t>
+              <a:t>They would cast lots for His clothes</a:t>
             </a:r>
             <a:br>
               <a:rPr lang="en-US" dirty="0"/>
@@ -16147,7 +16236,7 @@
                   </a:schemeClr>
                 </a:solidFill>
               </a:rPr>
-              <a:t>Psalms 34:20  </a:t>
+              <a:t>Psalms 22:18  </a:t>
             </a:r>
             <a:r>
               <a:rPr lang="en-US" sz="2400" dirty="0">
@@ -16159,7 +16248,7 @@
                 </a:solidFill>
                 <a:sym typeface="Wingdings" panose="05000000000000000000" pitchFamily="2" charset="2"/>
               </a:rPr>
-              <a:t>  John 19:32-33</a:t>
+              <a:t>  Matthew 27:35-36</a:t>
             </a:r>
             <a:endParaRPr lang="en-US" sz="2400" dirty="0">
               <a:solidFill>
@@ -16219,22 +16308,23 @@
           <a:lstStyle/>
           <a:p>
             <a:r>
-              <a:rPr lang="en-US" b="1" i="1">
-                <a:solidFill>
-                  <a:schemeClr val="bg1">
-                    <a:lumMod val="95000"/>
-                  </a:schemeClr>
-                </a:solidFill>
-              </a:rPr>
-              <a:t>He guards all his bones; Not one of them is broken. (Psa 34:20)</a:t>
-            </a:r>
-            <a:endParaRPr lang="en-US" b="1" i="1" dirty="0">
-              <a:solidFill>
-                <a:schemeClr val="bg1">
-                  <a:lumMod val="95000"/>
-                </a:schemeClr>
-              </a:solidFill>
-            </a:endParaRPr>
+              <a:rPr lang="en-US" dirty="0"/>
+              <a:t>They divide My garments among them, And for My clothing they cast lots. </a:t>
+            </a:r>
+          </a:p>
+          <a:p>
+            <a:r>
+              <a:rPr lang="en-US" dirty="0"/>
+              <a:t>(</a:t>
+            </a:r>
+            <a:r>
+              <a:rPr lang="en-US" dirty="0" err="1"/>
+              <a:t>Psa</a:t>
+            </a:r>
+            <a:r>
+              <a:rPr lang="en-US" dirty="0"/>
+              <a:t> 22:18)</a:t>
+            </a:r>
           </a:p>
         </p:txBody>
       </p:sp>
@@ -16293,13 +16383,13 @@
           <a:p>
             <a:r>
               <a:rPr lang="en-US"/>
-              <a:t>Then the soldiers came and broke the legs of the first and of the other who was crucified with Him. But when they came to Jesus and saw that He was already dead, they did not break His legs. </a:t>
+              <a:t>Then they crucified Him, and divided His garments, casting lots, that it might be fulfilled which was spoken by the prophet: "THEY DIVIDED MY GARMENTS AMONG THEM, AND FOR MY CLOTHING THEY CAST LOTS." Sitting down, they kept watch over Him there. </a:t>
             </a:r>
           </a:p>
           <a:p>
             <a:r>
               <a:rPr lang="en-US"/>
-              <a:t>(Joh 19:32-33)</a:t>
+              <a:t>(Mat 27:35-36)</a:t>
             </a:r>
           </a:p>
         </p:txBody>
@@ -16309,7 +16399,7 @@
           <p:cNvPr id="3" name="TextBox 2">
             <a:extLst>
               <a:ext uri="{FF2B5EF4-FFF2-40B4-BE49-F238E27FC236}">
-                <a16:creationId xmlns:a16="http://schemas.microsoft.com/office/drawing/2014/main" id="{E6610516-B117-ED45-6FB0-6ED6B907E4E5}"/>
+                <a16:creationId xmlns:a16="http://schemas.microsoft.com/office/drawing/2014/main" id="{781611CB-CC91-3089-ECFD-BC85D133A380}"/>
               </a:ext>
             </a:extLst>
           </p:cNvPr>
@@ -16342,7 +16432,7 @@
     </p:spTree>
     <p:extLst>
       <p:ext uri="{BB962C8B-B14F-4D97-AF65-F5344CB8AC3E}">
-        <p14:creationId xmlns:p14="http://schemas.microsoft.com/office/powerpoint/2010/main" val="3477688620"/>
+        <p14:creationId xmlns:p14="http://schemas.microsoft.com/office/powerpoint/2010/main" val="1088891020"/>
       </p:ext>
     </p:extLst>
   </p:cSld>

--- a/2024-Q4/2024-10-13/2024-10-13-Psalms.pptx
+++ b/2024-Q4/2024-10-13/2024-10-13-Psalms.pptx
@@ -2293,7 +2293,7 @@
               <a:buAutoNum type="arabicPeriod"/>
             </a:pPr>
             <a:r>
-              <a:rPr lang="en-US" dirty="0"/>
+              <a:rPr lang="en-US" b="1" dirty="0"/>
               <a:t>Messianic Titles</a:t>
             </a:r>
           </a:p>
@@ -2338,7 +2338,7 @@
               <a:buAutoNum type="arabicPeriod"/>
             </a:pPr>
             <a:r>
-              <a:rPr lang="en-US" dirty="0"/>
+              <a:rPr lang="en-US" b="1" dirty="0"/>
               <a:t>Acts 4:27-28 – Peter applies 1-3 to the crucifixion</a:t>
             </a:r>
           </a:p>
@@ -2428,7 +2428,7 @@
               <a:buAutoNum type="arabicPeriod"/>
             </a:pPr>
             <a:r>
-              <a:rPr lang="en-US" dirty="0"/>
+              <a:rPr lang="en-US" b="1" dirty="0"/>
               <a:t>Psalm 2:7 – You are My Son, Today I have begotten You</a:t>
             </a:r>
           </a:p>
@@ -2464,7 +2464,7 @@
               <a:buAutoNum type="arabicPeriod"/>
             </a:pPr>
             <a:r>
-              <a:rPr lang="en-US" dirty="0"/>
+              <a:rPr lang="en-US" b="1" dirty="0"/>
               <a:t>Heir – Your inheritance</a:t>
             </a:r>
           </a:p>
@@ -2491,7 +2491,7 @@
               <a:buAutoNum type="arabicPeriod"/>
             </a:pPr>
             <a:r>
-              <a:rPr lang="en-US" dirty="0"/>
+              <a:rPr lang="en-US" b="1" dirty="0"/>
               <a:t>Reconciliation – the Spirit’s call – “with trembling kiss His feet”</a:t>
             </a:r>
           </a:p>
